--- a/s5_outils_numeriques/b0_demistifier_python/B0_1_Demystifier_Python.pptx
+++ b/s5_outils_numeriques/b0_demistifier_python/B0_1_Demystifier_Python.pptx
@@ -8,11 +8,16 @@
     <p:sldId id="256" r:id="rId2"/>
     <p:sldId id="257" r:id="rId3"/>
     <p:sldId id="260" r:id="rId4"/>
-    <p:sldId id="263" r:id="rId5"/>
-    <p:sldId id="259" r:id="rId6"/>
-    <p:sldId id="258" r:id="rId7"/>
-    <p:sldId id="261" r:id="rId8"/>
-    <p:sldId id="262" r:id="rId9"/>
+    <p:sldId id="264" r:id="rId5"/>
+    <p:sldId id="265" r:id="rId6"/>
+    <p:sldId id="266" r:id="rId7"/>
+    <p:sldId id="267" r:id="rId8"/>
+    <p:sldId id="268" r:id="rId9"/>
+    <p:sldId id="263" r:id="rId10"/>
+    <p:sldId id="259" r:id="rId11"/>
+    <p:sldId id="258" r:id="rId12"/>
+    <p:sldId id="261" r:id="rId13"/>
+    <p:sldId id="262" r:id="rId14"/>
   </p:sldIdLst>
   <p:sldSz cx="12192000" cy="6858000"/>
   <p:notesSz cx="6858000" cy="9144000"/>
@@ -275,7 +280,7 @@
           <a:p>
             <a:fld id="{02AC24A9-CCB6-4F8D-B8DB-C2F3692CFA5A}" type="datetimeFigureOut">
               <a:rPr lang="en-US" smtClean="0"/>
-              <a:t>4/10/2023</a:t>
+              <a:t>4/11/2023</a:t>
             </a:fld>
             <a:endParaRPr lang="en-US" dirty="0"/>
           </a:p>
@@ -645,7 +650,7 @@
           <a:p>
             <a:fld id="{02AC24A9-CCB6-4F8D-B8DB-C2F3692CFA5A}" type="datetimeFigureOut">
               <a:rPr lang="en-US" smtClean="0"/>
-              <a:t>4/10/2023</a:t>
+              <a:t>4/11/2023</a:t>
             </a:fld>
             <a:endParaRPr lang="en-US"/>
           </a:p>
@@ -854,7 +859,7 @@
           <a:p>
             <a:fld id="{02AC24A9-CCB6-4F8D-B8DB-C2F3692CFA5A}" type="datetimeFigureOut">
               <a:rPr lang="en-US" smtClean="0"/>
-              <a:t>4/10/2023</a:t>
+              <a:t>4/11/2023</a:t>
             </a:fld>
             <a:endParaRPr lang="en-US"/>
           </a:p>
@@ -1324,7 +1329,7 @@
           <a:p>
             <a:fld id="{02AC24A9-CCB6-4F8D-B8DB-C2F3692CFA5A}" type="datetimeFigureOut">
               <a:rPr lang="en-US" smtClean="0"/>
-              <a:t>4/10/2023</a:t>
+              <a:t>4/11/2023</a:t>
             </a:fld>
             <a:endParaRPr lang="en-US"/>
           </a:p>
@@ -1778,7 +1783,7 @@
           <a:p>
             <a:fld id="{02AC24A9-CCB6-4F8D-B8DB-C2F3692CFA5A}" type="datetimeFigureOut">
               <a:rPr lang="en-US" smtClean="0"/>
-              <a:t>4/10/2023</a:t>
+              <a:t>4/11/2023</a:t>
             </a:fld>
             <a:endParaRPr lang="en-US"/>
           </a:p>
@@ -2310,7 +2315,7 @@
           <a:p>
             <a:fld id="{02AC24A9-CCB6-4F8D-B8DB-C2F3692CFA5A}" type="datetimeFigureOut">
               <a:rPr lang="en-US" smtClean="0"/>
-              <a:t>4/10/2023</a:t>
+              <a:t>4/11/2023</a:t>
             </a:fld>
             <a:endParaRPr lang="en-US"/>
           </a:p>
@@ -3009,7 +3014,7 @@
           <a:p>
             <a:fld id="{02AC24A9-CCB6-4F8D-B8DB-C2F3692CFA5A}" type="datetimeFigureOut">
               <a:rPr lang="en-US" smtClean="0"/>
-              <a:t>4/10/2023</a:t>
+              <a:t>4/11/2023</a:t>
             </a:fld>
             <a:endParaRPr lang="en-US"/>
           </a:p>
@@ -3338,7 +3343,7 @@
           <a:p>
             <a:fld id="{02AC24A9-CCB6-4F8D-B8DB-C2F3692CFA5A}" type="datetimeFigureOut">
               <a:rPr lang="en-US" smtClean="0"/>
-              <a:t>4/10/2023</a:t>
+              <a:t>4/11/2023</a:t>
             </a:fld>
             <a:endParaRPr lang="en-US"/>
           </a:p>
@@ -3451,7 +3456,7 @@
           <a:p>
             <a:fld id="{02AC24A9-CCB6-4F8D-B8DB-C2F3692CFA5A}" type="datetimeFigureOut">
               <a:rPr lang="en-US" smtClean="0"/>
-              <a:t>4/10/2023</a:t>
+              <a:t>4/11/2023</a:t>
             </a:fld>
             <a:endParaRPr lang="en-US"/>
           </a:p>
@@ -3946,7 +3951,7 @@
           <a:p>
             <a:fld id="{02AC24A9-CCB6-4F8D-B8DB-C2F3692CFA5A}" type="datetimeFigureOut">
               <a:rPr lang="en-US" smtClean="0"/>
-              <a:t>4/10/2023</a:t>
+              <a:t>4/11/2023</a:t>
             </a:fld>
             <a:endParaRPr lang="en-US" dirty="0"/>
           </a:p>
@@ -4423,7 +4428,7 @@
           <a:p>
             <a:fld id="{02AC24A9-CCB6-4F8D-B8DB-C2F3692CFA5A}" type="datetimeFigureOut">
               <a:rPr lang="en-US" smtClean="0"/>
-              <a:t>4/10/2023</a:t>
+              <a:t>4/11/2023</a:t>
             </a:fld>
             <a:endParaRPr lang="en-US"/>
           </a:p>
@@ -4666,7 +4671,7 @@
           <a:p>
             <a:fld id="{02AC24A9-CCB6-4F8D-B8DB-C2F3692CFA5A}" type="datetimeFigureOut">
               <a:rPr lang="en-US" smtClean="0"/>
-              <a:t>4/10/2023</a:t>
+              <a:t>4/11/2023</a:t>
             </a:fld>
             <a:endParaRPr lang="en-US"/>
           </a:p>
@@ -5565,6 +5570,652 @@
 </p:sld>
 </file>
 
+<file path=ppt/slides/slide10.xml><?xml version="1.0" encoding="utf-8"?>
+<p:sld xmlns:a="http://schemas.openxmlformats.org/drawingml/2006/main" xmlns:r="http://schemas.openxmlformats.org/officeDocument/2006/relationships" xmlns:p="http://schemas.openxmlformats.org/presentationml/2006/main">
+  <p:cSld>
+    <p:bg>
+      <p:bgPr>
+        <a:solidFill>
+          <a:schemeClr val="bg2"/>
+        </a:solidFill>
+        <a:effectLst/>
+      </p:bgPr>
+    </p:bg>
+    <p:spTree>
+      <p:nvGrpSpPr>
+        <p:cNvPr id="1" name=""/>
+        <p:cNvGrpSpPr/>
+        <p:nvPr/>
+      </p:nvGrpSpPr>
+      <p:grpSpPr>
+        <a:xfrm>
+          <a:off x="0" y="0"/>
+          <a:ext cx="0" cy="0"/>
+          <a:chOff x="0" y="0"/>
+          <a:chExt cx="0" cy="0"/>
+        </a:xfrm>
+      </p:grpSpPr>
+      <p:sp>
+        <p:nvSpPr>
+          <p:cNvPr id="2" name="Titre 1">
+            <a:extLst>
+              <a:ext uri="{FF2B5EF4-FFF2-40B4-BE49-F238E27FC236}">
+                <a16:creationId xmlns:a16="http://schemas.microsoft.com/office/drawing/2014/main" id="{90162AE8-C1B0-5C56-8313-DEE494F38273}"/>
+              </a:ext>
+            </a:extLst>
+          </p:cNvPr>
+          <p:cNvSpPr>
+            <a:spLocks noGrp="1"/>
+          </p:cNvSpPr>
+          <p:nvPr>
+            <p:ph type="title"/>
+          </p:nvPr>
+        </p:nvSpPr>
+        <p:spPr/>
+        <p:txBody>
+          <a:bodyPr/>
+          <a:lstStyle/>
+          <a:p>
+            <a:r>
+              <a:rPr lang="fr-FR" dirty="0"/>
+              <a:t>Doit-on faire confiance aux ordinateurs ?</a:t>
+            </a:r>
+          </a:p>
+        </p:txBody>
+      </p:sp>
+      <p:sp>
+        <p:nvSpPr>
+          <p:cNvPr id="3" name="Espace réservé du contenu 2">
+            <a:extLst>
+              <a:ext uri="{FF2B5EF4-FFF2-40B4-BE49-F238E27FC236}">
+                <a16:creationId xmlns:a16="http://schemas.microsoft.com/office/drawing/2014/main" id="{E0BBB9DE-019C-C741-F224-494739D4B752}"/>
+              </a:ext>
+            </a:extLst>
+          </p:cNvPr>
+          <p:cNvSpPr>
+            <a:spLocks noGrp="1"/>
+          </p:cNvSpPr>
+          <p:nvPr>
+            <p:ph sz="half" idx="1"/>
+          </p:nvPr>
+        </p:nvSpPr>
+        <p:spPr/>
+        <p:txBody>
+          <a:bodyPr/>
+          <a:lstStyle/>
+          <a:p>
+            <a:r>
+              <a:rPr lang="fr-FR" dirty="0"/>
+              <a:t>Testez les deux calculs suivants sous Python</a:t>
+            </a:r>
+          </a:p>
+          <a:p>
+            <a:endParaRPr lang="fr-FR" dirty="0"/>
+          </a:p>
+          <a:p>
+            <a:pPr marL="0" indent="0">
+              <a:buNone/>
+            </a:pPr>
+            <a:r>
+              <a:rPr lang="fr-FR" dirty="0"/>
+              <a:t>&gt; 3 – 2 – 1</a:t>
+            </a:r>
+          </a:p>
+          <a:p>
+            <a:pPr marL="0" indent="0">
+              <a:buNone/>
+            </a:pPr>
+            <a:r>
+              <a:rPr lang="fr-FR" dirty="0"/>
+              <a:t>&gt; 0.3 – 0.2 – 0.1</a:t>
+            </a:r>
+          </a:p>
+        </p:txBody>
+      </p:sp>
+      <p:pic>
+        <p:nvPicPr>
+          <p:cNvPr id="5" name="Image 4" descr="Une image contenant texte&#10;&#10;Description générée automatiquement">
+            <a:extLst>
+              <a:ext uri="{FF2B5EF4-FFF2-40B4-BE49-F238E27FC236}">
+                <a16:creationId xmlns:a16="http://schemas.microsoft.com/office/drawing/2014/main" id="{66D2630B-81F4-A4EB-21BA-8B90CF30BD92}"/>
+              </a:ext>
+            </a:extLst>
+          </p:cNvPr>
+          <p:cNvPicPr>
+            <a:picLocks noChangeAspect="1"/>
+          </p:cNvPicPr>
+          <p:nvPr/>
+        </p:nvPicPr>
+        <p:blipFill>
+          <a:blip r:embed="rId2">
+            <a:extLst>
+              <a:ext uri="{28A0092B-C50C-407E-A947-70E740481C1C}">
+                <a14:useLocalDpi xmlns:a14="http://schemas.microsoft.com/office/drawing/2010/main" val="0"/>
+              </a:ext>
+            </a:extLst>
+          </a:blip>
+          <a:stretch>
+            <a:fillRect/>
+          </a:stretch>
+        </p:blipFill>
+        <p:spPr>
+          <a:xfrm>
+            <a:off x="202922" y="5934456"/>
+            <a:ext cx="1825291" cy="749808"/>
+          </a:xfrm>
+          <a:prstGeom prst="rect">
+            <a:avLst/>
+          </a:prstGeom>
+        </p:spPr>
+      </p:pic>
+      <p:sp>
+        <p:nvSpPr>
+          <p:cNvPr id="7" name="Espace réservé du contenu 6">
+            <a:extLst>
+              <a:ext uri="{FF2B5EF4-FFF2-40B4-BE49-F238E27FC236}">
+                <a16:creationId xmlns:a16="http://schemas.microsoft.com/office/drawing/2014/main" id="{770B91D8-1E62-33EE-378B-94D62DA43923}"/>
+              </a:ext>
+            </a:extLst>
+          </p:cNvPr>
+          <p:cNvSpPr>
+            <a:spLocks noGrp="1"/>
+          </p:cNvSpPr>
+          <p:nvPr>
+            <p:ph sz="half" idx="2"/>
+          </p:nvPr>
+        </p:nvSpPr>
+        <p:spPr/>
+        <p:txBody>
+          <a:bodyPr/>
+          <a:lstStyle/>
+          <a:p>
+            <a:endParaRPr lang="fr-FR"/>
+          </a:p>
+        </p:txBody>
+      </p:sp>
+    </p:spTree>
+    <p:extLst>
+      <p:ext uri="{BB962C8B-B14F-4D97-AF65-F5344CB8AC3E}">
+        <p14:creationId xmlns:p14="http://schemas.microsoft.com/office/powerpoint/2010/main" val="412816654"/>
+      </p:ext>
+    </p:extLst>
+  </p:cSld>
+  <p:clrMapOvr>
+    <a:masterClrMapping/>
+  </p:clrMapOvr>
+</p:sld>
+</file>
+
+<file path=ppt/slides/slide11.xml><?xml version="1.0" encoding="utf-8"?>
+<p:sld xmlns:a="http://schemas.openxmlformats.org/drawingml/2006/main" xmlns:r="http://schemas.openxmlformats.org/officeDocument/2006/relationships" xmlns:p="http://schemas.openxmlformats.org/presentationml/2006/main">
+  <p:cSld>
+    <p:spTree>
+      <p:nvGrpSpPr>
+        <p:cNvPr id="1" name=""/>
+        <p:cNvGrpSpPr/>
+        <p:nvPr/>
+      </p:nvGrpSpPr>
+      <p:grpSpPr>
+        <a:xfrm>
+          <a:off x="0" y="0"/>
+          <a:ext cx="0" cy="0"/>
+          <a:chOff x="0" y="0"/>
+          <a:chExt cx="0" cy="0"/>
+        </a:xfrm>
+      </p:grpSpPr>
+      <p:sp>
+        <p:nvSpPr>
+          <p:cNvPr id="2" name="Titre 1">
+            <a:extLst>
+              <a:ext uri="{FF2B5EF4-FFF2-40B4-BE49-F238E27FC236}">
+                <a16:creationId xmlns:a16="http://schemas.microsoft.com/office/drawing/2014/main" id="{90162AE8-C1B0-5C56-8313-DEE494F38273}"/>
+              </a:ext>
+            </a:extLst>
+          </p:cNvPr>
+          <p:cNvSpPr>
+            <a:spLocks noGrp="1"/>
+          </p:cNvSpPr>
+          <p:nvPr>
+            <p:ph type="title"/>
+          </p:nvPr>
+        </p:nvSpPr>
+        <p:spPr/>
+        <p:txBody>
+          <a:bodyPr/>
+          <a:lstStyle/>
+          <a:p>
+            <a:r>
+              <a:rPr lang="fr-FR" dirty="0"/>
+              <a:t>Listes, vecteurs… c’est pareil, non ?</a:t>
+            </a:r>
+          </a:p>
+        </p:txBody>
+      </p:sp>
+      <p:sp>
+        <p:nvSpPr>
+          <p:cNvPr id="3" name="Espace réservé du contenu 2">
+            <a:extLst>
+              <a:ext uri="{FF2B5EF4-FFF2-40B4-BE49-F238E27FC236}">
+                <a16:creationId xmlns:a16="http://schemas.microsoft.com/office/drawing/2014/main" id="{E0BBB9DE-019C-C741-F224-494739D4B752}"/>
+              </a:ext>
+            </a:extLst>
+          </p:cNvPr>
+          <p:cNvSpPr>
+            <a:spLocks noGrp="1"/>
+          </p:cNvSpPr>
+          <p:nvPr>
+            <p:ph sz="half" idx="1"/>
+          </p:nvPr>
+        </p:nvSpPr>
+        <p:spPr/>
+        <p:txBody>
+          <a:bodyPr/>
+          <a:lstStyle/>
+          <a:p>
+            <a:r>
+              <a:rPr lang="fr-FR" dirty="0"/>
+              <a:t>TO DO</a:t>
+            </a:r>
+          </a:p>
+        </p:txBody>
+      </p:sp>
+      <p:sp>
+        <p:nvSpPr>
+          <p:cNvPr id="4" name="Espace réservé du contenu 3">
+            <a:extLst>
+              <a:ext uri="{FF2B5EF4-FFF2-40B4-BE49-F238E27FC236}">
+                <a16:creationId xmlns:a16="http://schemas.microsoft.com/office/drawing/2014/main" id="{933F96BD-2653-AD25-8139-9FF3B2C19755}"/>
+              </a:ext>
+            </a:extLst>
+          </p:cNvPr>
+          <p:cNvSpPr>
+            <a:spLocks noGrp="1"/>
+          </p:cNvSpPr>
+          <p:nvPr>
+            <p:ph sz="half" idx="2"/>
+          </p:nvPr>
+        </p:nvSpPr>
+        <p:spPr/>
+        <p:txBody>
+          <a:bodyPr/>
+          <a:lstStyle/>
+          <a:p>
+            <a:endParaRPr lang="fr-FR" dirty="0"/>
+          </a:p>
+        </p:txBody>
+      </p:sp>
+      <p:pic>
+        <p:nvPicPr>
+          <p:cNvPr id="5" name="Image 4" descr="Une image contenant texte&#10;&#10;Description générée automatiquement">
+            <a:extLst>
+              <a:ext uri="{FF2B5EF4-FFF2-40B4-BE49-F238E27FC236}">
+                <a16:creationId xmlns:a16="http://schemas.microsoft.com/office/drawing/2014/main" id="{66D2630B-81F4-A4EB-21BA-8B90CF30BD92}"/>
+              </a:ext>
+            </a:extLst>
+          </p:cNvPr>
+          <p:cNvPicPr>
+            <a:picLocks noChangeAspect="1"/>
+          </p:cNvPicPr>
+          <p:nvPr/>
+        </p:nvPicPr>
+        <p:blipFill>
+          <a:blip r:embed="rId2">
+            <a:extLst>
+              <a:ext uri="{28A0092B-C50C-407E-A947-70E740481C1C}">
+                <a14:useLocalDpi xmlns:a14="http://schemas.microsoft.com/office/drawing/2010/main" val="0"/>
+              </a:ext>
+            </a:extLst>
+          </a:blip>
+          <a:stretch>
+            <a:fillRect/>
+          </a:stretch>
+        </p:blipFill>
+        <p:spPr>
+          <a:xfrm>
+            <a:off x="202922" y="5934456"/>
+            <a:ext cx="1825291" cy="749808"/>
+          </a:xfrm>
+          <a:prstGeom prst="rect">
+            <a:avLst/>
+          </a:prstGeom>
+        </p:spPr>
+      </p:pic>
+    </p:spTree>
+    <p:extLst>
+      <p:ext uri="{BB962C8B-B14F-4D97-AF65-F5344CB8AC3E}">
+        <p14:creationId xmlns:p14="http://schemas.microsoft.com/office/powerpoint/2010/main" val="2798061923"/>
+      </p:ext>
+    </p:extLst>
+  </p:cSld>
+  <p:clrMapOvr>
+    <a:masterClrMapping/>
+  </p:clrMapOvr>
+</p:sld>
+</file>
+
+<file path=ppt/slides/slide12.xml><?xml version="1.0" encoding="utf-8"?>
+<p:sld xmlns:a="http://schemas.openxmlformats.org/drawingml/2006/main" xmlns:r="http://schemas.openxmlformats.org/officeDocument/2006/relationships" xmlns:p="http://schemas.openxmlformats.org/presentationml/2006/main">
+  <p:cSld>
+    <p:spTree>
+      <p:nvGrpSpPr>
+        <p:cNvPr id="1" name=""/>
+        <p:cNvGrpSpPr/>
+        <p:nvPr/>
+      </p:nvGrpSpPr>
+      <p:grpSpPr>
+        <a:xfrm>
+          <a:off x="0" y="0"/>
+          <a:ext cx="0" cy="0"/>
+          <a:chOff x="0" y="0"/>
+          <a:chExt cx="0" cy="0"/>
+        </a:xfrm>
+      </p:grpSpPr>
+      <p:sp>
+        <p:nvSpPr>
+          <p:cNvPr id="2" name="Titre 1">
+            <a:extLst>
+              <a:ext uri="{FF2B5EF4-FFF2-40B4-BE49-F238E27FC236}">
+                <a16:creationId xmlns:a16="http://schemas.microsoft.com/office/drawing/2014/main" id="{90162AE8-C1B0-5C56-8313-DEE494F38273}"/>
+              </a:ext>
+            </a:extLst>
+          </p:cNvPr>
+          <p:cNvSpPr>
+            <a:spLocks noGrp="1"/>
+          </p:cNvSpPr>
+          <p:nvPr>
+            <p:ph type="title"/>
+          </p:nvPr>
+        </p:nvSpPr>
+        <p:spPr/>
+        <p:txBody>
+          <a:bodyPr/>
+          <a:lstStyle/>
+          <a:p>
+            <a:r>
+              <a:rPr lang="fr-FR" dirty="0"/>
+              <a:t>Travailler avec des vecteurs</a:t>
+            </a:r>
+          </a:p>
+        </p:txBody>
+      </p:sp>
+      <p:sp>
+        <p:nvSpPr>
+          <p:cNvPr id="3" name="Espace réservé du contenu 2">
+            <a:extLst>
+              <a:ext uri="{FF2B5EF4-FFF2-40B4-BE49-F238E27FC236}">
+                <a16:creationId xmlns:a16="http://schemas.microsoft.com/office/drawing/2014/main" id="{E0BBB9DE-019C-C741-F224-494739D4B752}"/>
+              </a:ext>
+            </a:extLst>
+          </p:cNvPr>
+          <p:cNvSpPr>
+            <a:spLocks noGrp="1"/>
+          </p:cNvSpPr>
+          <p:nvPr>
+            <p:ph sz="half" idx="1"/>
+          </p:nvPr>
+        </p:nvSpPr>
+        <p:spPr/>
+        <p:txBody>
+          <a:bodyPr/>
+          <a:lstStyle/>
+          <a:p>
+            <a:r>
+              <a:rPr lang="fr-FR" dirty="0" err="1"/>
+              <a:t>Sum</a:t>
+            </a:r>
+            <a:r>
+              <a:rPr lang="fr-FR" dirty="0"/>
+              <a:t>/</a:t>
+            </a:r>
+            <a:r>
+              <a:rPr lang="fr-FR" dirty="0" err="1"/>
+              <a:t>Mean</a:t>
+            </a:r>
+            <a:r>
+              <a:rPr lang="fr-FR" dirty="0"/>
+              <a:t> on axis=0 or 1</a:t>
+            </a:r>
+          </a:p>
+        </p:txBody>
+      </p:sp>
+      <p:sp>
+        <p:nvSpPr>
+          <p:cNvPr id="4" name="Espace réservé du contenu 3">
+            <a:extLst>
+              <a:ext uri="{FF2B5EF4-FFF2-40B4-BE49-F238E27FC236}">
+                <a16:creationId xmlns:a16="http://schemas.microsoft.com/office/drawing/2014/main" id="{933F96BD-2653-AD25-8139-9FF3B2C19755}"/>
+              </a:ext>
+            </a:extLst>
+          </p:cNvPr>
+          <p:cNvSpPr>
+            <a:spLocks noGrp="1"/>
+          </p:cNvSpPr>
+          <p:nvPr>
+            <p:ph sz="half" idx="2"/>
+          </p:nvPr>
+        </p:nvSpPr>
+        <p:spPr/>
+        <p:txBody>
+          <a:bodyPr/>
+          <a:lstStyle/>
+          <a:p>
+            <a:endParaRPr lang="fr-FR" dirty="0"/>
+          </a:p>
+        </p:txBody>
+      </p:sp>
+      <p:pic>
+        <p:nvPicPr>
+          <p:cNvPr id="5" name="Image 4" descr="Une image contenant texte&#10;&#10;Description générée automatiquement">
+            <a:extLst>
+              <a:ext uri="{FF2B5EF4-FFF2-40B4-BE49-F238E27FC236}">
+                <a16:creationId xmlns:a16="http://schemas.microsoft.com/office/drawing/2014/main" id="{66D2630B-81F4-A4EB-21BA-8B90CF30BD92}"/>
+              </a:ext>
+            </a:extLst>
+          </p:cNvPr>
+          <p:cNvPicPr>
+            <a:picLocks noChangeAspect="1"/>
+          </p:cNvPicPr>
+          <p:nvPr/>
+        </p:nvPicPr>
+        <p:blipFill>
+          <a:blip r:embed="rId2">
+            <a:extLst>
+              <a:ext uri="{28A0092B-C50C-407E-A947-70E740481C1C}">
+                <a14:useLocalDpi xmlns:a14="http://schemas.microsoft.com/office/drawing/2010/main" val="0"/>
+              </a:ext>
+            </a:extLst>
+          </a:blip>
+          <a:stretch>
+            <a:fillRect/>
+          </a:stretch>
+        </p:blipFill>
+        <p:spPr>
+          <a:xfrm>
+            <a:off x="202922" y="5934456"/>
+            <a:ext cx="1825291" cy="749808"/>
+          </a:xfrm>
+          <a:prstGeom prst="rect">
+            <a:avLst/>
+          </a:prstGeom>
+        </p:spPr>
+      </p:pic>
+    </p:spTree>
+    <p:extLst>
+      <p:ext uri="{BB962C8B-B14F-4D97-AF65-F5344CB8AC3E}">
+        <p14:creationId xmlns:p14="http://schemas.microsoft.com/office/powerpoint/2010/main" val="940861123"/>
+      </p:ext>
+    </p:extLst>
+  </p:cSld>
+  <p:clrMapOvr>
+    <a:masterClrMapping/>
+  </p:clrMapOvr>
+</p:sld>
+</file>
+
+<file path=ppt/slides/slide13.xml><?xml version="1.0" encoding="utf-8"?>
+<p:sld xmlns:a="http://schemas.openxmlformats.org/drawingml/2006/main" xmlns:r="http://schemas.openxmlformats.org/officeDocument/2006/relationships" xmlns:p="http://schemas.openxmlformats.org/presentationml/2006/main">
+  <p:cSld>
+    <p:spTree>
+      <p:nvGrpSpPr>
+        <p:cNvPr id="1" name=""/>
+        <p:cNvGrpSpPr/>
+        <p:nvPr/>
+      </p:nvGrpSpPr>
+      <p:grpSpPr>
+        <a:xfrm>
+          <a:off x="0" y="0"/>
+          <a:ext cx="0" cy="0"/>
+          <a:chOff x="0" y="0"/>
+          <a:chExt cx="0" cy="0"/>
+        </a:xfrm>
+      </p:grpSpPr>
+      <p:sp>
+        <p:nvSpPr>
+          <p:cNvPr id="2" name="Titre 1">
+            <a:extLst>
+              <a:ext uri="{FF2B5EF4-FFF2-40B4-BE49-F238E27FC236}">
+                <a16:creationId xmlns:a16="http://schemas.microsoft.com/office/drawing/2014/main" id="{90162AE8-C1B0-5C56-8313-DEE494F38273}"/>
+              </a:ext>
+            </a:extLst>
+          </p:cNvPr>
+          <p:cNvSpPr>
+            <a:spLocks noGrp="1"/>
+          </p:cNvSpPr>
+          <p:nvPr>
+            <p:ph type="title"/>
+          </p:nvPr>
+        </p:nvSpPr>
+        <p:spPr/>
+        <p:txBody>
+          <a:bodyPr/>
+          <a:lstStyle/>
+          <a:p>
+            <a:r>
+              <a:rPr lang="fr-FR" dirty="0"/>
+              <a:t>Résoudre des problèmes linéaires</a:t>
+            </a:r>
+          </a:p>
+        </p:txBody>
+      </p:sp>
+      <p:sp>
+        <p:nvSpPr>
+          <p:cNvPr id="3" name="Espace réservé du contenu 2">
+            <a:extLst>
+              <a:ext uri="{FF2B5EF4-FFF2-40B4-BE49-F238E27FC236}">
+                <a16:creationId xmlns:a16="http://schemas.microsoft.com/office/drawing/2014/main" id="{E0BBB9DE-019C-C741-F224-494739D4B752}"/>
+              </a:ext>
+            </a:extLst>
+          </p:cNvPr>
+          <p:cNvSpPr>
+            <a:spLocks noGrp="1"/>
+          </p:cNvSpPr>
+          <p:nvPr>
+            <p:ph sz="half" idx="1"/>
+          </p:nvPr>
+        </p:nvSpPr>
+        <p:spPr/>
+        <p:txBody>
+          <a:bodyPr/>
+          <a:lstStyle/>
+          <a:p>
+            <a:r>
+              <a:rPr lang="fr-FR" dirty="0" err="1"/>
+              <a:t>Linalg</a:t>
+            </a:r>
+            <a:r>
+              <a:rPr lang="fr-FR" dirty="0"/>
+              <a:t> </a:t>
+            </a:r>
+            <a:r>
+              <a:rPr lang="fr-FR" dirty="0" err="1"/>
+              <a:t>from</a:t>
+            </a:r>
+            <a:r>
+              <a:rPr lang="fr-FR" dirty="0"/>
+              <a:t> </a:t>
+            </a:r>
+            <a:r>
+              <a:rPr lang="fr-FR" dirty="0" err="1"/>
+              <a:t>numpy</a:t>
+            </a:r>
+            <a:endParaRPr lang="fr-FR" dirty="0"/>
+          </a:p>
+        </p:txBody>
+      </p:sp>
+      <p:sp>
+        <p:nvSpPr>
+          <p:cNvPr id="4" name="Espace réservé du contenu 3">
+            <a:extLst>
+              <a:ext uri="{FF2B5EF4-FFF2-40B4-BE49-F238E27FC236}">
+                <a16:creationId xmlns:a16="http://schemas.microsoft.com/office/drawing/2014/main" id="{933F96BD-2653-AD25-8139-9FF3B2C19755}"/>
+              </a:ext>
+            </a:extLst>
+          </p:cNvPr>
+          <p:cNvSpPr>
+            <a:spLocks noGrp="1"/>
+          </p:cNvSpPr>
+          <p:nvPr>
+            <p:ph sz="half" idx="2"/>
+          </p:nvPr>
+        </p:nvSpPr>
+        <p:spPr/>
+        <p:txBody>
+          <a:bodyPr/>
+          <a:lstStyle/>
+          <a:p>
+            <a:endParaRPr lang="fr-FR" dirty="0"/>
+          </a:p>
+        </p:txBody>
+      </p:sp>
+      <p:pic>
+        <p:nvPicPr>
+          <p:cNvPr id="5" name="Image 4" descr="Une image contenant texte&#10;&#10;Description générée automatiquement">
+            <a:extLst>
+              <a:ext uri="{FF2B5EF4-FFF2-40B4-BE49-F238E27FC236}">
+                <a16:creationId xmlns:a16="http://schemas.microsoft.com/office/drawing/2014/main" id="{66D2630B-81F4-A4EB-21BA-8B90CF30BD92}"/>
+              </a:ext>
+            </a:extLst>
+          </p:cNvPr>
+          <p:cNvPicPr>
+            <a:picLocks noChangeAspect="1"/>
+          </p:cNvPicPr>
+          <p:nvPr/>
+        </p:nvPicPr>
+        <p:blipFill>
+          <a:blip r:embed="rId2">
+            <a:extLst>
+              <a:ext uri="{28A0092B-C50C-407E-A947-70E740481C1C}">
+                <a14:useLocalDpi xmlns:a14="http://schemas.microsoft.com/office/drawing/2010/main" val="0"/>
+              </a:ext>
+            </a:extLst>
+          </a:blip>
+          <a:stretch>
+            <a:fillRect/>
+          </a:stretch>
+        </p:blipFill>
+        <p:spPr>
+          <a:xfrm>
+            <a:off x="202922" y="5934456"/>
+            <a:ext cx="1825291" cy="749808"/>
+          </a:xfrm>
+          <a:prstGeom prst="rect">
+            <a:avLst/>
+          </a:prstGeom>
+        </p:spPr>
+      </p:pic>
+    </p:spTree>
+    <p:extLst>
+      <p:ext uri="{BB962C8B-B14F-4D97-AF65-F5344CB8AC3E}">
+        <p14:creationId xmlns:p14="http://schemas.microsoft.com/office/powerpoint/2010/main" val="3320162350"/>
+      </p:ext>
+    </p:extLst>
+  </p:cSld>
+  <p:clrMapOvr>
+    <a:masterClrMapping/>
+  </p:clrMapOvr>
+</p:sld>
+</file>
+
 <file path=ppt/slides/slide2.xml><?xml version="1.0" encoding="utf-8"?>
 <p:sld xmlns:a="http://schemas.openxmlformats.org/drawingml/2006/main" xmlns:r="http://schemas.openxmlformats.org/officeDocument/2006/relationships" xmlns:p="http://schemas.openxmlformats.org/presentationml/2006/main">
   <p:cSld>
@@ -6973,23 +7624,7 @@
           <a:p>
             <a:r>
               <a:rPr lang="fr-FR" dirty="0"/>
-              <a:t>Try / </a:t>
-            </a:r>
-            <a:r>
-              <a:rPr lang="fr-FR" dirty="0" err="1"/>
-              <a:t>Except</a:t>
-            </a:r>
-            <a:r>
-              <a:rPr lang="fr-FR" dirty="0"/>
-              <a:t> (</a:t>
-            </a:r>
-            <a:r>
-              <a:rPr lang="fr-FR" dirty="0" err="1"/>
-              <a:t>ValueError</a:t>
-            </a:r>
-            <a:r>
-              <a:rPr lang="fr-FR" dirty="0"/>
-              <a:t>…)</a:t>
+              <a:t>Utilisation de bibliothèques</a:t>
             </a:r>
           </a:p>
         </p:txBody>
@@ -7062,63 +7697,440 @@
       </p:pic>
       <p:sp>
         <p:nvSpPr>
-          <p:cNvPr id="14" name="Espace réservé du contenu 13">
-            <a:extLst>
-              <a:ext uri="{FF2B5EF4-FFF2-40B4-BE49-F238E27FC236}">
-                <a16:creationId xmlns:a16="http://schemas.microsoft.com/office/drawing/2014/main" id="{CA123098-7DF5-3C3F-1F6B-F3FE7B39E1E2}"/>
-              </a:ext>
-            </a:extLst>
-          </p:cNvPr>
-          <p:cNvSpPr>
-            <a:spLocks noGrp="1"/>
-          </p:cNvSpPr>
-          <p:nvPr>
-            <p:ph sz="half" idx="2"/>
-          </p:nvPr>
-        </p:nvSpPr>
-        <p:spPr/>
-        <p:txBody>
-          <a:bodyPr/>
-          <a:lstStyle/>
-          <a:p>
-            <a:endParaRPr lang="fr-FR" dirty="0"/>
-          </a:p>
-        </p:txBody>
-      </p:sp>
-      <p:pic>
-        <p:nvPicPr>
-          <p:cNvPr id="16" name="Image 15">
-            <a:extLst>
-              <a:ext uri="{FF2B5EF4-FFF2-40B4-BE49-F238E27FC236}">
-                <a16:creationId xmlns:a16="http://schemas.microsoft.com/office/drawing/2014/main" id="{40681AA8-5305-6308-CECD-FD4BEB3BB437}"/>
-              </a:ext>
-            </a:extLst>
-          </p:cNvPr>
-          <p:cNvPicPr>
-            <a:picLocks noChangeAspect="1"/>
-          </p:cNvPicPr>
+          <p:cNvPr id="13" name="ZoneTexte 12">
+            <a:extLst>
+              <a:ext uri="{FF2B5EF4-FFF2-40B4-BE49-F238E27FC236}">
+                <a16:creationId xmlns:a16="http://schemas.microsoft.com/office/drawing/2014/main" id="{C4BAF194-1DAB-D8B5-3DF2-147C9B78F1A3}"/>
+              </a:ext>
+            </a:extLst>
+          </p:cNvPr>
+          <p:cNvSpPr txBox="1"/>
           <p:nvPr/>
-        </p:nvPicPr>
-        <p:blipFill>
-          <a:blip r:embed="rId4"/>
-          <a:stretch>
-            <a:fillRect/>
-          </a:stretch>
-        </p:blipFill>
-        <p:spPr>
-          <a:xfrm>
-            <a:off x="2320821" y="3333136"/>
-            <a:ext cx="4513912" cy="3351128"/>
+        </p:nvSpPr>
+        <p:spPr>
+          <a:xfrm>
+            <a:off x="824860" y="3090446"/>
+            <a:ext cx="4765173" cy="677108"/>
           </a:xfrm>
           <a:prstGeom prst="rect">
             <a:avLst/>
           </a:prstGeom>
-        </p:spPr>
-      </p:pic>
+          <a:solidFill>
+            <a:schemeClr val="accent1">
+              <a:lumMod val="60000"/>
+              <a:lumOff val="40000"/>
+            </a:schemeClr>
+          </a:solidFill>
+        </p:spPr>
+        <p:txBody>
+          <a:bodyPr wrap="square" rtlCol="0">
+            <a:spAutoFit/>
+          </a:bodyPr>
+          <a:lstStyle/>
+          <a:p>
+            <a:r>
+              <a:rPr lang="fr-FR" b="1" dirty="0"/>
+              <a:t>import</a:t>
+            </a:r>
+            <a:r>
+              <a:rPr lang="fr-FR" dirty="0"/>
+              <a:t> </a:t>
+            </a:r>
+            <a:r>
+              <a:rPr lang="fr-FR" sz="2000" dirty="0" err="1">
+                <a:solidFill>
+                  <a:schemeClr val="bg1"/>
+                </a:solidFill>
+              </a:rPr>
+              <a:t>numpy</a:t>
+            </a:r>
+            <a:endParaRPr lang="fr-FR" dirty="0">
+              <a:solidFill>
+                <a:schemeClr val="bg1"/>
+              </a:solidFill>
+            </a:endParaRPr>
+          </a:p>
+          <a:p>
+            <a:r>
+              <a:rPr lang="it-IT" dirty="0"/>
+              <a:t>ma = </a:t>
+            </a:r>
+            <a:r>
+              <a:rPr lang="it-IT" b="1" dirty="0">
+                <a:solidFill>
+                  <a:schemeClr val="bg1"/>
+                </a:solidFill>
+              </a:rPr>
+              <a:t>numpy</a:t>
+            </a:r>
+            <a:r>
+              <a:rPr lang="it-IT" dirty="0"/>
+              <a:t>.</a:t>
+            </a:r>
+            <a:r>
+              <a:rPr lang="it-IT" b="1" dirty="0"/>
+              <a:t>array</a:t>
+            </a:r>
+            <a:r>
+              <a:rPr lang="it-IT" dirty="0"/>
+              <a:t>( [1, 2, 3] )</a:t>
+            </a:r>
+            <a:endParaRPr lang="fr-FR" b="1" dirty="0"/>
+          </a:p>
+        </p:txBody>
+      </p:sp>
+      <p:sp>
+        <p:nvSpPr>
+          <p:cNvPr id="14" name="ZoneTexte 13">
+            <a:extLst>
+              <a:ext uri="{FF2B5EF4-FFF2-40B4-BE49-F238E27FC236}">
+                <a16:creationId xmlns:a16="http://schemas.microsoft.com/office/drawing/2014/main" id="{0E298DCA-6B4E-62F1-C504-2B8C7D8765E3}"/>
+              </a:ext>
+            </a:extLst>
+          </p:cNvPr>
+          <p:cNvSpPr txBox="1"/>
+          <p:nvPr/>
+        </p:nvSpPr>
+        <p:spPr>
+          <a:xfrm>
+            <a:off x="824858" y="3864852"/>
+            <a:ext cx="4765173" cy="677108"/>
+          </a:xfrm>
+          <a:prstGeom prst="rect">
+            <a:avLst/>
+          </a:prstGeom>
+          <a:solidFill>
+            <a:schemeClr val="accent1">
+              <a:lumMod val="60000"/>
+              <a:lumOff val="40000"/>
+            </a:schemeClr>
+          </a:solidFill>
+        </p:spPr>
+        <p:txBody>
+          <a:bodyPr wrap="square" rtlCol="0">
+            <a:spAutoFit/>
+          </a:bodyPr>
+          <a:lstStyle/>
+          <a:p>
+            <a:r>
+              <a:rPr lang="fr-FR" b="1" dirty="0"/>
+              <a:t>import</a:t>
+            </a:r>
+            <a:r>
+              <a:rPr lang="fr-FR" dirty="0"/>
+              <a:t> </a:t>
+            </a:r>
+            <a:r>
+              <a:rPr lang="fr-FR" sz="2000" dirty="0" err="1">
+                <a:solidFill>
+                  <a:schemeClr val="bg1"/>
+                </a:solidFill>
+              </a:rPr>
+              <a:t>numpy</a:t>
+            </a:r>
+            <a:r>
+              <a:rPr lang="fr-FR" sz="2000" dirty="0">
+                <a:solidFill>
+                  <a:schemeClr val="bg1"/>
+                </a:solidFill>
+              </a:rPr>
+              <a:t> </a:t>
+            </a:r>
+            <a:r>
+              <a:rPr lang="fr-FR" sz="2000" b="1" dirty="0"/>
+              <a:t>as</a:t>
+            </a:r>
+            <a:r>
+              <a:rPr lang="fr-FR" sz="2000" dirty="0">
+                <a:solidFill>
+                  <a:schemeClr val="bg1"/>
+                </a:solidFill>
+              </a:rPr>
+              <a:t> </a:t>
+            </a:r>
+            <a:r>
+              <a:rPr lang="fr-FR" sz="2000" dirty="0" err="1">
+                <a:solidFill>
+                  <a:schemeClr val="bg1"/>
+                </a:solidFill>
+              </a:rPr>
+              <a:t>np</a:t>
+            </a:r>
+            <a:endParaRPr lang="fr-FR" dirty="0">
+              <a:solidFill>
+                <a:schemeClr val="bg1"/>
+              </a:solidFill>
+            </a:endParaRPr>
+          </a:p>
+          <a:p>
+            <a:r>
+              <a:rPr lang="it-IT" dirty="0"/>
+              <a:t>ma = </a:t>
+            </a:r>
+            <a:r>
+              <a:rPr lang="it-IT" b="1" dirty="0">
+                <a:solidFill>
+                  <a:schemeClr val="bg1"/>
+                </a:solidFill>
+              </a:rPr>
+              <a:t>np</a:t>
+            </a:r>
+            <a:r>
+              <a:rPr lang="it-IT" dirty="0"/>
+              <a:t>.</a:t>
+            </a:r>
+            <a:r>
+              <a:rPr lang="it-IT" b="1" dirty="0"/>
+              <a:t>array</a:t>
+            </a:r>
+            <a:r>
+              <a:rPr lang="it-IT" dirty="0"/>
+              <a:t>( [1, 2, 3] )</a:t>
+            </a:r>
+            <a:endParaRPr lang="fr-FR" b="1" dirty="0"/>
+          </a:p>
+        </p:txBody>
+      </p:sp>
+      <p:sp>
+        <p:nvSpPr>
+          <p:cNvPr id="15" name="ZoneTexte 14">
+            <a:extLst>
+              <a:ext uri="{FF2B5EF4-FFF2-40B4-BE49-F238E27FC236}">
+                <a16:creationId xmlns:a16="http://schemas.microsoft.com/office/drawing/2014/main" id="{04FB51D4-DEEE-E2E1-73E5-A3EC50303A6D}"/>
+              </a:ext>
+            </a:extLst>
+          </p:cNvPr>
+          <p:cNvSpPr txBox="1"/>
+          <p:nvPr/>
+        </p:nvSpPr>
+        <p:spPr>
+          <a:xfrm>
+            <a:off x="6344036" y="3074559"/>
+            <a:ext cx="4765173" cy="677108"/>
+          </a:xfrm>
+          <a:prstGeom prst="rect">
+            <a:avLst/>
+          </a:prstGeom>
+          <a:solidFill>
+            <a:schemeClr val="accent1">
+              <a:lumMod val="60000"/>
+              <a:lumOff val="40000"/>
+            </a:schemeClr>
+          </a:solidFill>
+        </p:spPr>
+        <p:txBody>
+          <a:bodyPr wrap="square" rtlCol="0">
+            <a:spAutoFit/>
+          </a:bodyPr>
+          <a:lstStyle/>
+          <a:p>
+            <a:r>
+              <a:rPr lang="fr-FR" b="1" dirty="0" err="1"/>
+              <a:t>from</a:t>
+            </a:r>
+            <a:r>
+              <a:rPr lang="fr-FR" dirty="0"/>
+              <a:t> </a:t>
+            </a:r>
+            <a:r>
+              <a:rPr lang="fr-FR" sz="2000" dirty="0" err="1">
+                <a:solidFill>
+                  <a:schemeClr val="bg1"/>
+                </a:solidFill>
+              </a:rPr>
+              <a:t>matplotlib</a:t>
+            </a:r>
+            <a:r>
+              <a:rPr lang="fr-FR" sz="2000" dirty="0">
+                <a:solidFill>
+                  <a:schemeClr val="bg1"/>
+                </a:solidFill>
+              </a:rPr>
+              <a:t> </a:t>
+            </a:r>
+            <a:r>
+              <a:rPr lang="fr-FR" sz="2000" b="1" dirty="0"/>
+              <a:t>import</a:t>
+            </a:r>
+            <a:r>
+              <a:rPr lang="fr-FR" sz="2000" dirty="0">
+                <a:solidFill>
+                  <a:schemeClr val="bg1"/>
+                </a:solidFill>
+              </a:rPr>
+              <a:t> </a:t>
+            </a:r>
+            <a:r>
+              <a:rPr lang="fr-FR" sz="2000" dirty="0" err="1">
+                <a:solidFill>
+                  <a:schemeClr val="bg1"/>
+                </a:solidFill>
+              </a:rPr>
+              <a:t>pyplot</a:t>
+            </a:r>
+            <a:endParaRPr lang="fr-FR" dirty="0">
+              <a:solidFill>
+                <a:schemeClr val="bg1"/>
+              </a:solidFill>
+            </a:endParaRPr>
+          </a:p>
+          <a:p>
+            <a:r>
+              <a:rPr lang="it-IT" b="1" dirty="0"/>
+              <a:t>pyplot</a:t>
+            </a:r>
+            <a:r>
+              <a:rPr lang="it-IT" dirty="0"/>
+              <a:t>.</a:t>
+            </a:r>
+            <a:r>
+              <a:rPr lang="it-IT" b="1" dirty="0"/>
+              <a:t>figure</a:t>
+            </a:r>
+            <a:r>
+              <a:rPr lang="it-IT" dirty="0"/>
+              <a:t>()</a:t>
+            </a:r>
+            <a:endParaRPr lang="fr-FR" b="1" dirty="0"/>
+          </a:p>
+        </p:txBody>
+      </p:sp>
+      <p:sp>
+        <p:nvSpPr>
+          <p:cNvPr id="16" name="ZoneTexte 15">
+            <a:extLst>
+              <a:ext uri="{FF2B5EF4-FFF2-40B4-BE49-F238E27FC236}">
+                <a16:creationId xmlns:a16="http://schemas.microsoft.com/office/drawing/2014/main" id="{B9EA9777-CCAB-F345-0144-5095DB027A58}"/>
+              </a:ext>
+            </a:extLst>
+          </p:cNvPr>
+          <p:cNvSpPr txBox="1"/>
+          <p:nvPr/>
+        </p:nvSpPr>
+        <p:spPr>
+          <a:xfrm>
+            <a:off x="6344036" y="3872030"/>
+            <a:ext cx="4765173" cy="677108"/>
+          </a:xfrm>
+          <a:prstGeom prst="rect">
+            <a:avLst/>
+          </a:prstGeom>
+          <a:solidFill>
+            <a:schemeClr val="accent1">
+              <a:lumMod val="60000"/>
+              <a:lumOff val="40000"/>
+            </a:schemeClr>
+          </a:solidFill>
+        </p:spPr>
+        <p:txBody>
+          <a:bodyPr wrap="square" rtlCol="0">
+            <a:spAutoFit/>
+          </a:bodyPr>
+          <a:lstStyle/>
+          <a:p>
+            <a:r>
+              <a:rPr lang="fr-FR" b="1" dirty="0" err="1"/>
+              <a:t>from</a:t>
+            </a:r>
+            <a:r>
+              <a:rPr lang="fr-FR" dirty="0"/>
+              <a:t> </a:t>
+            </a:r>
+            <a:r>
+              <a:rPr lang="fr-FR" sz="2000" dirty="0" err="1">
+                <a:solidFill>
+                  <a:schemeClr val="bg1"/>
+                </a:solidFill>
+              </a:rPr>
+              <a:t>matplotlib</a:t>
+            </a:r>
+            <a:r>
+              <a:rPr lang="fr-FR" sz="2000" dirty="0">
+                <a:solidFill>
+                  <a:schemeClr val="bg1"/>
+                </a:solidFill>
+              </a:rPr>
+              <a:t> </a:t>
+            </a:r>
+            <a:r>
+              <a:rPr lang="fr-FR" sz="2000" b="1" dirty="0"/>
+              <a:t>import</a:t>
+            </a:r>
+            <a:r>
+              <a:rPr lang="fr-FR" sz="2000" dirty="0">
+                <a:solidFill>
+                  <a:schemeClr val="bg1"/>
+                </a:solidFill>
+              </a:rPr>
+              <a:t> </a:t>
+            </a:r>
+            <a:r>
+              <a:rPr lang="fr-FR" sz="2000" dirty="0" err="1">
+                <a:solidFill>
+                  <a:schemeClr val="bg1"/>
+                </a:solidFill>
+              </a:rPr>
+              <a:t>pyplot</a:t>
+            </a:r>
+            <a:r>
+              <a:rPr lang="fr-FR" sz="2000" dirty="0">
+                <a:solidFill>
+                  <a:schemeClr val="bg1"/>
+                </a:solidFill>
+              </a:rPr>
+              <a:t> </a:t>
+            </a:r>
+            <a:r>
+              <a:rPr lang="fr-FR" sz="2000" b="1" dirty="0"/>
+              <a:t>as</a:t>
+            </a:r>
+            <a:r>
+              <a:rPr lang="fr-FR" sz="2000" dirty="0">
+                <a:solidFill>
+                  <a:schemeClr val="bg1"/>
+                </a:solidFill>
+              </a:rPr>
+              <a:t> </a:t>
+            </a:r>
+            <a:r>
+              <a:rPr lang="fr-FR" sz="2000" dirty="0" err="1">
+                <a:solidFill>
+                  <a:schemeClr val="bg1"/>
+                </a:solidFill>
+              </a:rPr>
+              <a:t>plt</a:t>
+            </a:r>
+            <a:endParaRPr lang="fr-FR" dirty="0">
+              <a:solidFill>
+                <a:schemeClr val="bg1"/>
+              </a:solidFill>
+            </a:endParaRPr>
+          </a:p>
+          <a:p>
+            <a:r>
+              <a:rPr lang="it-IT" b="1" dirty="0"/>
+              <a:t>plt</a:t>
+            </a:r>
+            <a:r>
+              <a:rPr lang="it-IT" dirty="0"/>
+              <a:t>.</a:t>
+            </a:r>
+            <a:r>
+              <a:rPr lang="it-IT" b="1" dirty="0"/>
+              <a:t>figure</a:t>
+            </a:r>
+            <a:r>
+              <a:rPr lang="it-IT" dirty="0"/>
+              <a:t>()</a:t>
+            </a:r>
+            <a:endParaRPr lang="fr-FR" b="1" dirty="0"/>
+          </a:p>
+        </p:txBody>
+      </p:sp>
     </p:spTree>
     <p:extLst>
       <p:ext uri="{BB962C8B-B14F-4D97-AF65-F5344CB8AC3E}">
-        <p14:creationId xmlns:p14="http://schemas.microsoft.com/office/powerpoint/2010/main" val="1467992273"/>
+        <p14:creationId xmlns:p14="http://schemas.microsoft.com/office/powerpoint/2010/main" val="1574335150"/>
       </p:ext>
     </p:extLst>
   </p:cSld>
@@ -7168,7 +8180,7 @@
           <a:p>
             <a:r>
               <a:rPr lang="fr-FR" dirty="0"/>
-              <a:t>Doit-on faire confiance aux ordinateurs ?</a:t>
+              <a:t>Quelques rappels sous Python</a:t>
             </a:r>
           </a:p>
         </p:txBody>
@@ -7189,35 +8201,19 @@
             <p:ph sz="half" idx="1"/>
           </p:nvPr>
         </p:nvSpPr>
-        <p:spPr/>
+        <p:spPr>
+          <a:xfrm>
+            <a:off x="1115568" y="2478024"/>
+            <a:ext cx="10241082" cy="3694176"/>
+          </a:xfrm>
+        </p:spPr>
         <p:txBody>
           <a:bodyPr/>
           <a:lstStyle/>
           <a:p>
             <a:r>
               <a:rPr lang="fr-FR" dirty="0"/>
-              <a:t>Testez les deux calculs suivants sous Python</a:t>
-            </a:r>
-          </a:p>
-          <a:p>
-            <a:endParaRPr lang="fr-FR" dirty="0"/>
-          </a:p>
-          <a:p>
-            <a:pPr marL="0" indent="0">
-              <a:buNone/>
-            </a:pPr>
-            <a:r>
-              <a:rPr lang="fr-FR" dirty="0"/>
-              <a:t>&gt; 3 – 2 – 1</a:t>
-            </a:r>
-          </a:p>
-          <a:p>
-            <a:pPr marL="0" indent="0">
-              <a:buNone/>
-            </a:pPr>
-            <a:r>
-              <a:rPr lang="fr-FR" dirty="0"/>
-              <a:t>&gt; 0.3 – 0.2 – 0.1</a:t>
+              <a:t>Installation de bibliothèques / packages</a:t>
             </a:r>
           </a:p>
         </p:txBody>
@@ -7258,35 +8254,256 @@
           </a:prstGeom>
         </p:spPr>
       </p:pic>
-      <p:sp>
-        <p:nvSpPr>
-          <p:cNvPr id="7" name="Espace réservé du contenu 6">
-            <a:extLst>
-              <a:ext uri="{FF2B5EF4-FFF2-40B4-BE49-F238E27FC236}">
-                <a16:creationId xmlns:a16="http://schemas.microsoft.com/office/drawing/2014/main" id="{770B91D8-1E62-33EE-378B-94D62DA43923}"/>
-              </a:ext>
-            </a:extLst>
-          </p:cNvPr>
-          <p:cNvSpPr>
-            <a:spLocks noGrp="1"/>
-          </p:cNvSpPr>
-          <p:nvPr>
-            <p:ph sz="half" idx="2"/>
-          </p:nvPr>
-        </p:nvSpPr>
-        <p:spPr/>
-        <p:txBody>
-          <a:bodyPr/>
-          <a:lstStyle/>
-          <a:p>
-            <a:endParaRPr lang="fr-FR"/>
+      <p:pic>
+        <p:nvPicPr>
+          <p:cNvPr id="7" name="Image 6">
+            <a:extLst>
+              <a:ext uri="{FF2B5EF4-FFF2-40B4-BE49-F238E27FC236}">
+                <a16:creationId xmlns:a16="http://schemas.microsoft.com/office/drawing/2014/main" id="{5BB01D49-602A-9314-FD1F-4EC628128217}"/>
+              </a:ext>
+            </a:extLst>
+          </p:cNvPr>
+          <p:cNvPicPr>
+            <a:picLocks noChangeAspect="1"/>
+          </p:cNvPicPr>
+          <p:nvPr/>
+        </p:nvPicPr>
+        <p:blipFill>
+          <a:blip r:embed="rId3"/>
+          <a:stretch>
+            <a:fillRect/>
+          </a:stretch>
+        </p:blipFill>
+        <p:spPr>
+          <a:xfrm>
+            <a:off x="10077926" y="593679"/>
+            <a:ext cx="1081825" cy="1089498"/>
+          </a:xfrm>
+          <a:prstGeom prst="rect">
+            <a:avLst/>
+          </a:prstGeom>
+        </p:spPr>
+      </p:pic>
+      <p:sp>
+        <p:nvSpPr>
+          <p:cNvPr id="13" name="ZoneTexte 12">
+            <a:extLst>
+              <a:ext uri="{FF2B5EF4-FFF2-40B4-BE49-F238E27FC236}">
+                <a16:creationId xmlns:a16="http://schemas.microsoft.com/office/drawing/2014/main" id="{C4BAF194-1DAB-D8B5-3DF2-147C9B78F1A3}"/>
+              </a:ext>
+            </a:extLst>
+          </p:cNvPr>
+          <p:cNvSpPr txBox="1"/>
+          <p:nvPr/>
+        </p:nvSpPr>
+        <p:spPr>
+          <a:xfrm>
+            <a:off x="824860" y="3090446"/>
+            <a:ext cx="4765173" cy="923330"/>
+          </a:xfrm>
+          <a:prstGeom prst="rect">
+            <a:avLst/>
+          </a:prstGeom>
+          <a:solidFill>
+            <a:schemeClr val="accent1">
+              <a:lumMod val="60000"/>
+              <a:lumOff val="40000"/>
+            </a:schemeClr>
+          </a:solidFill>
+        </p:spPr>
+        <p:txBody>
+          <a:bodyPr wrap="square" rtlCol="0">
+            <a:spAutoFit/>
+          </a:bodyPr>
+          <a:lstStyle/>
+          <a:p>
+            <a:r>
+              <a:rPr lang="fr-FR" b="1" dirty="0"/>
+              <a:t>Dans un </a:t>
+            </a:r>
+            <a:r>
+              <a:rPr lang="fr-FR" b="1" dirty="0" err="1"/>
+              <a:t>shell</a:t>
+            </a:r>
+            <a:r>
+              <a:rPr lang="fr-FR" b="1" dirty="0"/>
+              <a:t>/prompt</a:t>
+            </a:r>
+          </a:p>
+          <a:p>
+            <a:endParaRPr lang="fr-FR" b="1" dirty="0">
+              <a:solidFill>
+                <a:schemeClr val="bg1"/>
+              </a:solidFill>
+            </a:endParaRPr>
+          </a:p>
+          <a:p>
+            <a:r>
+              <a:rPr lang="fr-FR" b="1" dirty="0">
+                <a:solidFill>
+                  <a:schemeClr val="bg1"/>
+                </a:solidFill>
+              </a:rPr>
+              <a:t>&gt; </a:t>
+            </a:r>
+            <a:r>
+              <a:rPr lang="fr-FR" b="1" dirty="0" err="1"/>
+              <a:t>pip</a:t>
+            </a:r>
+            <a:r>
+              <a:rPr lang="fr-FR" b="1" dirty="0">
+                <a:solidFill>
+                  <a:schemeClr val="bg1"/>
+                </a:solidFill>
+              </a:rPr>
+              <a:t> </a:t>
+            </a:r>
+            <a:r>
+              <a:rPr lang="fr-FR" b="1" dirty="0" err="1">
+                <a:solidFill>
+                  <a:schemeClr val="tx1">
+                    <a:lumMod val="75000"/>
+                    <a:lumOff val="25000"/>
+                  </a:schemeClr>
+                </a:solidFill>
+              </a:rPr>
+              <a:t>install</a:t>
+            </a:r>
+            <a:r>
+              <a:rPr lang="fr-FR" b="1" dirty="0">
+                <a:solidFill>
+                  <a:schemeClr val="tx1">
+                    <a:lumMod val="75000"/>
+                    <a:lumOff val="25000"/>
+                  </a:schemeClr>
+                </a:solidFill>
+              </a:rPr>
+              <a:t> </a:t>
+            </a:r>
+            <a:r>
+              <a:rPr lang="fr-FR" b="1" dirty="0" err="1">
+                <a:solidFill>
+                  <a:schemeClr val="bg1"/>
+                </a:solidFill>
+              </a:rPr>
+              <a:t>numpy</a:t>
+            </a:r>
+            <a:endParaRPr lang="fr-FR" b="1" dirty="0"/>
+          </a:p>
+        </p:txBody>
+      </p:sp>
+      <p:sp>
+        <p:nvSpPr>
+          <p:cNvPr id="9" name="ZoneTexte 8">
+            <a:extLst>
+              <a:ext uri="{FF2B5EF4-FFF2-40B4-BE49-F238E27FC236}">
+                <a16:creationId xmlns:a16="http://schemas.microsoft.com/office/drawing/2014/main" id="{1242D1B6-FB6F-0BC3-3D48-25706D46377C}"/>
+              </a:ext>
+            </a:extLst>
+          </p:cNvPr>
+          <p:cNvSpPr txBox="1"/>
+          <p:nvPr/>
+        </p:nvSpPr>
+        <p:spPr>
+          <a:xfrm>
+            <a:off x="6090755" y="3090446"/>
+            <a:ext cx="4765173" cy="923330"/>
+          </a:xfrm>
+          <a:prstGeom prst="rect">
+            <a:avLst/>
+          </a:prstGeom>
+          <a:solidFill>
+            <a:schemeClr val="accent1">
+              <a:lumMod val="60000"/>
+              <a:lumOff val="40000"/>
+            </a:schemeClr>
+          </a:solidFill>
+        </p:spPr>
+        <p:txBody>
+          <a:bodyPr wrap="square" rtlCol="0">
+            <a:spAutoFit/>
+          </a:bodyPr>
+          <a:lstStyle/>
+          <a:p>
+            <a:r>
+              <a:rPr lang="fr-FR" b="1" dirty="0"/>
+              <a:t>Dans un </a:t>
+            </a:r>
+            <a:r>
+              <a:rPr lang="fr-FR" b="1" dirty="0" err="1"/>
+              <a:t>shell</a:t>
+            </a:r>
+            <a:r>
+              <a:rPr lang="fr-FR" b="1" dirty="0"/>
+              <a:t>/prompt (Anaconda)</a:t>
+            </a:r>
+          </a:p>
+          <a:p>
+            <a:endParaRPr lang="fr-FR" b="1" dirty="0">
+              <a:solidFill>
+                <a:schemeClr val="bg1"/>
+              </a:solidFill>
+            </a:endParaRPr>
+          </a:p>
+          <a:p>
+            <a:r>
+              <a:rPr lang="fr-FR" b="1" dirty="0">
+                <a:solidFill>
+                  <a:schemeClr val="bg1"/>
+                </a:solidFill>
+              </a:rPr>
+              <a:t>&gt; </a:t>
+            </a:r>
+            <a:r>
+              <a:rPr lang="fr-FR" b="1" dirty="0" err="1"/>
+              <a:t>conda</a:t>
+            </a:r>
+            <a:r>
+              <a:rPr lang="fr-FR" b="1" dirty="0">
+                <a:solidFill>
+                  <a:schemeClr val="bg1"/>
+                </a:solidFill>
+              </a:rPr>
+              <a:t> </a:t>
+            </a:r>
+            <a:r>
+              <a:rPr lang="fr-FR" b="1" dirty="0" err="1">
+                <a:solidFill>
+                  <a:schemeClr val="tx1">
+                    <a:lumMod val="75000"/>
+                    <a:lumOff val="25000"/>
+                  </a:schemeClr>
+                </a:solidFill>
+              </a:rPr>
+              <a:t>install</a:t>
+            </a:r>
+            <a:r>
+              <a:rPr lang="fr-FR" b="1" dirty="0">
+                <a:solidFill>
+                  <a:schemeClr val="tx1">
+                    <a:lumMod val="75000"/>
+                    <a:lumOff val="25000"/>
+                  </a:schemeClr>
+                </a:solidFill>
+              </a:rPr>
+              <a:t> </a:t>
+            </a:r>
+            <a:r>
+              <a:rPr lang="fr-FR" b="1" dirty="0" err="1">
+                <a:solidFill>
+                  <a:schemeClr val="bg1"/>
+                </a:solidFill>
+              </a:rPr>
+              <a:t>numpy</a:t>
+            </a:r>
+            <a:endParaRPr lang="fr-FR" b="1" dirty="0"/>
           </a:p>
         </p:txBody>
       </p:sp>
     </p:spTree>
     <p:extLst>
       <p:ext uri="{BB962C8B-B14F-4D97-AF65-F5344CB8AC3E}">
-        <p14:creationId xmlns:p14="http://schemas.microsoft.com/office/powerpoint/2010/main" val="412816654"/>
+        <p14:creationId xmlns:p14="http://schemas.microsoft.com/office/powerpoint/2010/main" val="979033587"/>
       </p:ext>
     </p:extLst>
   </p:cSld>
@@ -7336,7 +8553,7 @@
           <a:p>
             <a:r>
               <a:rPr lang="fr-FR" dirty="0"/>
-              <a:t>Listes, vecteurs… c’est pareil, non ?</a:t>
+              <a:t>Quelques rappels sous Python</a:t>
             </a:r>
           </a:p>
         </p:txBody>
@@ -7357,40 +8574,20 @@
             <p:ph sz="half" idx="1"/>
           </p:nvPr>
         </p:nvSpPr>
-        <p:spPr/>
+        <p:spPr>
+          <a:xfrm>
+            <a:off x="1115568" y="2478024"/>
+            <a:ext cx="10241082" cy="3694176"/>
+          </a:xfrm>
+        </p:spPr>
         <p:txBody>
           <a:bodyPr/>
           <a:lstStyle/>
           <a:p>
             <a:r>
               <a:rPr lang="fr-FR" dirty="0"/>
-              <a:t>TO DO</a:t>
-            </a:r>
-          </a:p>
-        </p:txBody>
-      </p:sp>
-      <p:sp>
-        <p:nvSpPr>
-          <p:cNvPr id="4" name="Espace réservé du contenu 3">
-            <a:extLst>
-              <a:ext uri="{FF2B5EF4-FFF2-40B4-BE49-F238E27FC236}">
-                <a16:creationId xmlns:a16="http://schemas.microsoft.com/office/drawing/2014/main" id="{933F96BD-2653-AD25-8139-9FF3B2C19755}"/>
-              </a:ext>
-            </a:extLst>
-          </p:cNvPr>
-          <p:cNvSpPr>
-            <a:spLocks noGrp="1"/>
-          </p:cNvSpPr>
-          <p:nvPr>
-            <p:ph sz="half" idx="2"/>
-          </p:nvPr>
-        </p:nvSpPr>
-        <p:spPr/>
-        <p:txBody>
-          <a:bodyPr/>
-          <a:lstStyle/>
-          <a:p>
-            <a:endParaRPr lang="fr-FR" dirty="0"/>
+              <a:t>Utilisation des vecteurs / matrices</a:t>
+            </a:r>
           </a:p>
         </p:txBody>
       </p:sp>
@@ -7430,10 +8627,263 @@
           </a:prstGeom>
         </p:spPr>
       </p:pic>
+      <p:pic>
+        <p:nvPicPr>
+          <p:cNvPr id="7" name="Image 6">
+            <a:extLst>
+              <a:ext uri="{FF2B5EF4-FFF2-40B4-BE49-F238E27FC236}">
+                <a16:creationId xmlns:a16="http://schemas.microsoft.com/office/drawing/2014/main" id="{5BB01D49-602A-9314-FD1F-4EC628128217}"/>
+              </a:ext>
+            </a:extLst>
+          </p:cNvPr>
+          <p:cNvPicPr>
+            <a:picLocks noChangeAspect="1"/>
+          </p:cNvPicPr>
+          <p:nvPr/>
+        </p:nvPicPr>
+        <p:blipFill>
+          <a:blip r:embed="rId3"/>
+          <a:stretch>
+            <a:fillRect/>
+          </a:stretch>
+        </p:blipFill>
+        <p:spPr>
+          <a:xfrm>
+            <a:off x="10077926" y="593679"/>
+            <a:ext cx="1081825" cy="1089498"/>
+          </a:xfrm>
+          <a:prstGeom prst="rect">
+            <a:avLst/>
+          </a:prstGeom>
+        </p:spPr>
+      </p:pic>
+      <p:sp>
+        <p:nvSpPr>
+          <p:cNvPr id="6" name="ZoneTexte 5">
+            <a:extLst>
+              <a:ext uri="{FF2B5EF4-FFF2-40B4-BE49-F238E27FC236}">
+                <a16:creationId xmlns:a16="http://schemas.microsoft.com/office/drawing/2014/main" id="{1E75402E-5E67-B2D4-EB26-E362E6C79788}"/>
+              </a:ext>
+            </a:extLst>
+          </p:cNvPr>
+          <p:cNvSpPr txBox="1"/>
+          <p:nvPr/>
+        </p:nvSpPr>
+        <p:spPr>
+          <a:xfrm>
+            <a:off x="6344973" y="3180970"/>
+            <a:ext cx="4765173" cy="1477328"/>
+          </a:xfrm>
+          <a:prstGeom prst="rect">
+            <a:avLst/>
+          </a:prstGeom>
+          <a:solidFill>
+            <a:schemeClr val="accent1">
+              <a:lumMod val="40000"/>
+              <a:lumOff val="60000"/>
+            </a:schemeClr>
+          </a:solidFill>
+        </p:spPr>
+        <p:txBody>
+          <a:bodyPr wrap="square" rtlCol="0">
+            <a:spAutoFit/>
+          </a:bodyPr>
+          <a:lstStyle/>
+          <a:p>
+            <a:r>
+              <a:rPr lang="fr-FR" b="1" dirty="0"/>
+              <a:t>import</a:t>
+            </a:r>
+            <a:r>
+              <a:rPr lang="fr-FR" dirty="0"/>
+              <a:t> </a:t>
+            </a:r>
+            <a:r>
+              <a:rPr lang="fr-FR" dirty="0" err="1"/>
+              <a:t>numpy</a:t>
+            </a:r>
+            <a:r>
+              <a:rPr lang="fr-FR" dirty="0"/>
+              <a:t> </a:t>
+            </a:r>
+            <a:r>
+              <a:rPr lang="fr-FR" b="1" dirty="0"/>
+              <a:t>as</a:t>
+            </a:r>
+            <a:r>
+              <a:rPr lang="fr-FR" dirty="0"/>
+              <a:t> </a:t>
+            </a:r>
+            <a:r>
+              <a:rPr lang="fr-FR" dirty="0" err="1"/>
+              <a:t>np</a:t>
+            </a:r>
+            <a:endParaRPr lang="fr-FR" dirty="0"/>
+          </a:p>
+          <a:p>
+            <a:r>
+              <a:rPr lang="en-US" dirty="0"/>
+              <a:t>mb = </a:t>
+            </a:r>
+            <a:r>
+              <a:rPr lang="en-US" b="1" dirty="0" err="1"/>
+              <a:t>np</a:t>
+            </a:r>
+            <a:r>
+              <a:rPr lang="en-US" dirty="0" err="1"/>
+              <a:t>.</a:t>
+            </a:r>
+            <a:r>
+              <a:rPr lang="en-US" b="1" dirty="0" err="1"/>
+              <a:t>array</a:t>
+            </a:r>
+            <a:r>
+              <a:rPr lang="en-US" dirty="0"/>
+              <a:t>( [[1,2,3] , [4,5,6]] )</a:t>
+            </a:r>
+          </a:p>
+          <a:p>
+            <a:r>
+              <a:rPr lang="en-US" dirty="0"/>
+              <a:t>mc = </a:t>
+            </a:r>
+            <a:r>
+              <a:rPr lang="en-US" b="1" dirty="0" err="1"/>
+              <a:t>np</a:t>
+            </a:r>
+            <a:r>
+              <a:rPr lang="en-US" dirty="0" err="1"/>
+              <a:t>.</a:t>
+            </a:r>
+            <a:r>
+              <a:rPr lang="en-US" b="1" dirty="0" err="1"/>
+              <a:t>array</a:t>
+            </a:r>
+            <a:r>
+              <a:rPr lang="en-US" dirty="0"/>
+              <a:t>( [[1,2,3] , [4,5,6]] ) </a:t>
+            </a:r>
+          </a:p>
+          <a:p>
+            <a:r>
+              <a:rPr lang="en-US" dirty="0"/>
+              <a:t>mm = mb + mc</a:t>
+            </a:r>
+          </a:p>
+          <a:p>
+            <a:r>
+              <a:rPr lang="en-US" b="1" dirty="0"/>
+              <a:t>print( </a:t>
+            </a:r>
+            <a:r>
+              <a:rPr lang="en-US" dirty="0"/>
+              <a:t>mm </a:t>
+            </a:r>
+            <a:r>
+              <a:rPr lang="en-US" b="1" dirty="0"/>
+              <a:t>)</a:t>
+            </a:r>
+            <a:endParaRPr lang="fr-FR" b="1" dirty="0"/>
+          </a:p>
+        </p:txBody>
+      </p:sp>
+      <p:sp>
+        <p:nvSpPr>
+          <p:cNvPr id="8" name="ZoneTexte 7">
+            <a:extLst>
+              <a:ext uri="{FF2B5EF4-FFF2-40B4-BE49-F238E27FC236}">
+                <a16:creationId xmlns:a16="http://schemas.microsoft.com/office/drawing/2014/main" id="{E6ED157B-06F2-9E4A-4DB0-EF754E129A72}"/>
+              </a:ext>
+            </a:extLst>
+          </p:cNvPr>
+          <p:cNvSpPr txBox="1"/>
+          <p:nvPr/>
+        </p:nvSpPr>
+        <p:spPr>
+          <a:xfrm>
+            <a:off x="6913050" y="4773748"/>
+            <a:ext cx="4197096" cy="646331"/>
+          </a:xfrm>
+          <a:prstGeom prst="rect">
+            <a:avLst/>
+          </a:prstGeom>
+          <a:solidFill>
+            <a:schemeClr val="accent1">
+              <a:lumMod val="20000"/>
+              <a:lumOff val="80000"/>
+            </a:schemeClr>
+          </a:solidFill>
+        </p:spPr>
+        <p:txBody>
+          <a:bodyPr wrap="square" rtlCol="0">
+            <a:spAutoFit/>
+          </a:bodyPr>
+          <a:lstStyle/>
+          <a:p>
+            <a:r>
+              <a:rPr lang="en-US" dirty="0"/>
+              <a:t>[[ 2  4  6]</a:t>
+            </a:r>
+          </a:p>
+          <a:p>
+            <a:r>
+              <a:rPr lang="en-US" dirty="0"/>
+              <a:t>  [ 8  10  12]]</a:t>
+            </a:r>
+          </a:p>
+        </p:txBody>
+      </p:sp>
+      <p:pic>
+        <p:nvPicPr>
+          <p:cNvPr id="10" name="Picture 6">
+            <a:extLst>
+              <a:ext uri="{FF2B5EF4-FFF2-40B4-BE49-F238E27FC236}">
+                <a16:creationId xmlns:a16="http://schemas.microsoft.com/office/drawing/2014/main" id="{B08DE29C-1F7C-390F-64F6-5A4A64FD8E5F}"/>
+              </a:ext>
+            </a:extLst>
+          </p:cNvPr>
+          <p:cNvPicPr>
+            <a:picLocks noChangeAspect="1" noChangeArrowheads="1"/>
+          </p:cNvPicPr>
+          <p:nvPr/>
+        </p:nvPicPr>
+        <p:blipFill>
+          <a:blip r:embed="rId4" cstate="hqprint">
+            <a:extLst>
+              <a:ext uri="{28A0092B-C50C-407E-A947-70E740481C1C}">
+                <a14:useLocalDpi xmlns:a14="http://schemas.microsoft.com/office/drawing/2010/main" val="0"/>
+              </a:ext>
+            </a:extLst>
+          </a:blip>
+          <a:srcRect/>
+          <a:stretch>
+            <a:fillRect/>
+          </a:stretch>
+        </p:blipFill>
+        <p:spPr bwMode="auto">
+          <a:xfrm>
+            <a:off x="10426228" y="2206699"/>
+            <a:ext cx="905256" cy="407269"/>
+          </a:xfrm>
+          <a:prstGeom prst="rect">
+            <a:avLst/>
+          </a:prstGeom>
+          <a:noFill/>
+          <a:extLst>
+            <a:ext uri="{909E8E84-426E-40DD-AFC4-6F175D3DCCD1}">
+              <a14:hiddenFill xmlns:a14="http://schemas.microsoft.com/office/drawing/2010/main">
+                <a:solidFill>
+                  <a:srgbClr val="FFFFFF"/>
+                </a:solidFill>
+              </a14:hiddenFill>
+            </a:ext>
+          </a:extLst>
+        </p:spPr>
+      </p:pic>
     </p:spTree>
     <p:extLst>
       <p:ext uri="{BB962C8B-B14F-4D97-AF65-F5344CB8AC3E}">
-        <p14:creationId xmlns:p14="http://schemas.microsoft.com/office/powerpoint/2010/main" val="2798061923"/>
+        <p14:creationId xmlns:p14="http://schemas.microsoft.com/office/powerpoint/2010/main" val="701073179"/>
       </p:ext>
     </p:extLst>
   </p:cSld>
@@ -7483,7 +8933,7 @@
           <a:p>
             <a:r>
               <a:rPr lang="fr-FR" dirty="0"/>
-              <a:t>Travailler avec des vecteurs</a:t>
+              <a:t>Quelques rappels sous Python</a:t>
             </a:r>
           </a:p>
         </p:txBody>
@@ -7504,52 +8954,20 @@
             <p:ph sz="half" idx="1"/>
           </p:nvPr>
         </p:nvSpPr>
-        <p:spPr/>
+        <p:spPr>
+          <a:xfrm>
+            <a:off x="1115568" y="2478024"/>
+            <a:ext cx="10241082" cy="3694176"/>
+          </a:xfrm>
+        </p:spPr>
         <p:txBody>
           <a:bodyPr/>
           <a:lstStyle/>
           <a:p>
             <a:r>
-              <a:rPr lang="fr-FR" dirty="0" err="1"/>
-              <a:t>Sum</a:t>
-            </a:r>
-            <a:r>
               <a:rPr lang="fr-FR" dirty="0"/>
-              <a:t>/</a:t>
-            </a:r>
-            <a:r>
-              <a:rPr lang="fr-FR" dirty="0" err="1"/>
-              <a:t>Mean</a:t>
-            </a:r>
-            <a:r>
-              <a:rPr lang="fr-FR" dirty="0"/>
-              <a:t> on axis=0 or 1</a:t>
-            </a:r>
-          </a:p>
-        </p:txBody>
-      </p:sp>
-      <p:sp>
-        <p:nvSpPr>
-          <p:cNvPr id="4" name="Espace réservé du contenu 3">
-            <a:extLst>
-              <a:ext uri="{FF2B5EF4-FFF2-40B4-BE49-F238E27FC236}">
-                <a16:creationId xmlns:a16="http://schemas.microsoft.com/office/drawing/2014/main" id="{933F96BD-2653-AD25-8139-9FF3B2C19755}"/>
-              </a:ext>
-            </a:extLst>
-          </p:cNvPr>
-          <p:cNvSpPr>
-            <a:spLocks noGrp="1"/>
-          </p:cNvSpPr>
-          <p:nvPr>
-            <p:ph sz="half" idx="2"/>
-          </p:nvPr>
-        </p:nvSpPr>
-        <p:spPr/>
-        <p:txBody>
-          <a:bodyPr/>
-          <a:lstStyle/>
-          <a:p>
-            <a:endParaRPr lang="fr-FR" dirty="0"/>
+              <a:t>Nombres complexes</a:t>
+            </a:r>
           </a:p>
         </p:txBody>
       </p:sp>
@@ -7589,10 +9007,422 @@
           </a:prstGeom>
         </p:spPr>
       </p:pic>
+      <p:pic>
+        <p:nvPicPr>
+          <p:cNvPr id="7" name="Image 6">
+            <a:extLst>
+              <a:ext uri="{FF2B5EF4-FFF2-40B4-BE49-F238E27FC236}">
+                <a16:creationId xmlns:a16="http://schemas.microsoft.com/office/drawing/2014/main" id="{5BB01D49-602A-9314-FD1F-4EC628128217}"/>
+              </a:ext>
+            </a:extLst>
+          </p:cNvPr>
+          <p:cNvPicPr>
+            <a:picLocks noChangeAspect="1"/>
+          </p:cNvPicPr>
+          <p:nvPr/>
+        </p:nvPicPr>
+        <p:blipFill>
+          <a:blip r:embed="rId3"/>
+          <a:stretch>
+            <a:fillRect/>
+          </a:stretch>
+        </p:blipFill>
+        <p:spPr>
+          <a:xfrm>
+            <a:off x="10077926" y="593679"/>
+            <a:ext cx="1081825" cy="1089498"/>
+          </a:xfrm>
+          <a:prstGeom prst="rect">
+            <a:avLst/>
+          </a:prstGeom>
+        </p:spPr>
+      </p:pic>
+      <p:pic>
+        <p:nvPicPr>
+          <p:cNvPr id="10" name="Picture 6">
+            <a:extLst>
+              <a:ext uri="{FF2B5EF4-FFF2-40B4-BE49-F238E27FC236}">
+                <a16:creationId xmlns:a16="http://schemas.microsoft.com/office/drawing/2014/main" id="{B08DE29C-1F7C-390F-64F6-5A4A64FD8E5F}"/>
+              </a:ext>
+            </a:extLst>
+          </p:cNvPr>
+          <p:cNvPicPr>
+            <a:picLocks noChangeAspect="1" noChangeArrowheads="1"/>
+          </p:cNvPicPr>
+          <p:nvPr/>
+        </p:nvPicPr>
+        <p:blipFill>
+          <a:blip r:embed="rId4" cstate="hqprint">
+            <a:extLst>
+              <a:ext uri="{28A0092B-C50C-407E-A947-70E740481C1C}">
+                <a14:useLocalDpi xmlns:a14="http://schemas.microsoft.com/office/drawing/2010/main" val="0"/>
+              </a:ext>
+            </a:extLst>
+          </a:blip>
+          <a:srcRect/>
+          <a:stretch>
+            <a:fillRect/>
+          </a:stretch>
+        </p:blipFill>
+        <p:spPr bwMode="auto">
+          <a:xfrm>
+            <a:off x="10426228" y="2206699"/>
+            <a:ext cx="905256" cy="407269"/>
+          </a:xfrm>
+          <a:prstGeom prst="rect">
+            <a:avLst/>
+          </a:prstGeom>
+          <a:noFill/>
+          <a:extLst>
+            <a:ext uri="{909E8E84-426E-40DD-AFC4-6F175D3DCCD1}">
+              <a14:hiddenFill xmlns:a14="http://schemas.microsoft.com/office/drawing/2010/main">
+                <a:solidFill>
+                  <a:srgbClr val="FFFFFF"/>
+                </a:solidFill>
+              </a14:hiddenFill>
+            </a:ext>
+          </a:extLst>
+        </p:spPr>
+      </p:pic>
+      <p:sp>
+        <p:nvSpPr>
+          <p:cNvPr id="4" name="ZoneTexte 3">
+            <a:extLst>
+              <a:ext uri="{FF2B5EF4-FFF2-40B4-BE49-F238E27FC236}">
+                <a16:creationId xmlns:a16="http://schemas.microsoft.com/office/drawing/2014/main" id="{7E8BA086-82C8-2D50-3177-752E898F6963}"/>
+              </a:ext>
+            </a:extLst>
+          </p:cNvPr>
+          <p:cNvSpPr txBox="1"/>
+          <p:nvPr/>
+        </p:nvSpPr>
+        <p:spPr>
+          <a:xfrm>
+            <a:off x="6344973" y="2689356"/>
+            <a:ext cx="4765173" cy="923330"/>
+          </a:xfrm>
+          <a:prstGeom prst="rect">
+            <a:avLst/>
+          </a:prstGeom>
+          <a:solidFill>
+            <a:schemeClr val="accent1">
+              <a:lumMod val="40000"/>
+              <a:lumOff val="60000"/>
+            </a:schemeClr>
+          </a:solidFill>
+        </p:spPr>
+        <p:txBody>
+          <a:bodyPr wrap="square" rtlCol="0">
+            <a:spAutoFit/>
+          </a:bodyPr>
+          <a:lstStyle/>
+          <a:p>
+            <a:r>
+              <a:rPr lang="fr-FR" b="1" dirty="0"/>
+              <a:t>import</a:t>
+            </a:r>
+            <a:r>
+              <a:rPr lang="fr-FR" dirty="0"/>
+              <a:t> </a:t>
+            </a:r>
+            <a:r>
+              <a:rPr lang="fr-FR" dirty="0" err="1"/>
+              <a:t>numpy</a:t>
+            </a:r>
+            <a:r>
+              <a:rPr lang="fr-FR" dirty="0"/>
+              <a:t> </a:t>
+            </a:r>
+            <a:r>
+              <a:rPr lang="fr-FR" b="1" dirty="0"/>
+              <a:t>as</a:t>
+            </a:r>
+            <a:r>
+              <a:rPr lang="fr-FR" dirty="0"/>
+              <a:t> </a:t>
+            </a:r>
+            <a:r>
+              <a:rPr lang="fr-FR" dirty="0" err="1"/>
+              <a:t>np</a:t>
+            </a:r>
+            <a:endParaRPr lang="fr-FR" dirty="0"/>
+          </a:p>
+          <a:p>
+            <a:r>
+              <a:rPr lang="fr-FR" dirty="0" err="1"/>
+              <a:t>mk</a:t>
+            </a:r>
+            <a:r>
+              <a:rPr lang="fr-FR" dirty="0"/>
+              <a:t> = </a:t>
+            </a:r>
+            <a:r>
+              <a:rPr lang="fr-FR" b="1" dirty="0" err="1"/>
+              <a:t>np</a:t>
+            </a:r>
+            <a:r>
+              <a:rPr lang="fr-FR" dirty="0" err="1"/>
+              <a:t>.</a:t>
+            </a:r>
+            <a:r>
+              <a:rPr lang="fr-FR" b="1" dirty="0" err="1"/>
+              <a:t>array</a:t>
+            </a:r>
+            <a:r>
+              <a:rPr lang="fr-FR" dirty="0"/>
+              <a:t>([1j, 2, 3], </a:t>
+            </a:r>
+            <a:r>
+              <a:rPr lang="fr-FR" b="1" dirty="0" err="1"/>
+              <a:t>dtype</a:t>
+            </a:r>
+            <a:r>
+              <a:rPr lang="fr-FR" b="1" dirty="0"/>
+              <a:t>=</a:t>
+            </a:r>
+            <a:r>
+              <a:rPr lang="fr-FR" dirty="0" err="1"/>
+              <a:t>complex</a:t>
+            </a:r>
+            <a:r>
+              <a:rPr lang="fr-FR" dirty="0"/>
+              <a:t>)</a:t>
+            </a:r>
+          </a:p>
+          <a:p>
+            <a:r>
+              <a:rPr lang="fr-FR" b="1" dirty="0" err="1"/>
+              <a:t>print</a:t>
+            </a:r>
+            <a:r>
+              <a:rPr lang="fr-FR" b="1" dirty="0"/>
+              <a:t>( </a:t>
+            </a:r>
+            <a:r>
+              <a:rPr lang="fr-FR" dirty="0" err="1"/>
+              <a:t>mk</a:t>
+            </a:r>
+            <a:r>
+              <a:rPr lang="fr-FR" dirty="0"/>
+              <a:t> </a:t>
+            </a:r>
+            <a:r>
+              <a:rPr lang="fr-FR" b="1" dirty="0"/>
+              <a:t>)</a:t>
+            </a:r>
+          </a:p>
+        </p:txBody>
+      </p:sp>
+      <p:sp>
+        <p:nvSpPr>
+          <p:cNvPr id="9" name="ZoneTexte 8">
+            <a:extLst>
+              <a:ext uri="{FF2B5EF4-FFF2-40B4-BE49-F238E27FC236}">
+                <a16:creationId xmlns:a16="http://schemas.microsoft.com/office/drawing/2014/main" id="{834CF453-6922-C463-7E70-EDC4D3C4BFE6}"/>
+              </a:ext>
+            </a:extLst>
+          </p:cNvPr>
+          <p:cNvSpPr txBox="1"/>
+          <p:nvPr/>
+        </p:nvSpPr>
+        <p:spPr>
+          <a:xfrm>
+            <a:off x="6913050" y="3688074"/>
+            <a:ext cx="4197096" cy="369332"/>
+          </a:xfrm>
+          <a:prstGeom prst="rect">
+            <a:avLst/>
+          </a:prstGeom>
+          <a:solidFill>
+            <a:schemeClr val="accent1">
+              <a:lumMod val="20000"/>
+              <a:lumOff val="80000"/>
+            </a:schemeClr>
+          </a:solidFill>
+        </p:spPr>
+        <p:txBody>
+          <a:bodyPr wrap="square" rtlCol="0">
+            <a:spAutoFit/>
+          </a:bodyPr>
+          <a:lstStyle/>
+          <a:p>
+            <a:r>
+              <a:rPr lang="en-US" dirty="0"/>
+              <a:t>[ 0+1j  2+0j  3+0j]</a:t>
+            </a:r>
+          </a:p>
+        </p:txBody>
+      </p:sp>
+      <p:sp>
+        <p:nvSpPr>
+          <p:cNvPr id="11" name="ZoneTexte 10">
+            <a:extLst>
+              <a:ext uri="{FF2B5EF4-FFF2-40B4-BE49-F238E27FC236}">
+                <a16:creationId xmlns:a16="http://schemas.microsoft.com/office/drawing/2014/main" id="{2C376BC6-E211-C243-A1BA-4F533D6B269D}"/>
+              </a:ext>
+            </a:extLst>
+          </p:cNvPr>
+          <p:cNvSpPr txBox="1"/>
+          <p:nvPr/>
+        </p:nvSpPr>
+        <p:spPr>
+          <a:xfrm>
+            <a:off x="6344973" y="4193947"/>
+            <a:ext cx="4765173" cy="923330"/>
+          </a:xfrm>
+          <a:prstGeom prst="rect">
+            <a:avLst/>
+          </a:prstGeom>
+          <a:solidFill>
+            <a:schemeClr val="accent1">
+              <a:lumMod val="40000"/>
+              <a:lumOff val="60000"/>
+            </a:schemeClr>
+          </a:solidFill>
+        </p:spPr>
+        <p:txBody>
+          <a:bodyPr wrap="square" rtlCol="0">
+            <a:spAutoFit/>
+          </a:bodyPr>
+          <a:lstStyle/>
+          <a:p>
+            <a:r>
+              <a:rPr lang="fr-FR" dirty="0" err="1"/>
+              <a:t>nk</a:t>
+            </a:r>
+            <a:r>
+              <a:rPr lang="fr-FR" dirty="0"/>
+              <a:t> = 1j + 3</a:t>
+            </a:r>
+          </a:p>
+          <a:p>
+            <a:r>
+              <a:rPr lang="fr-FR" b="1" dirty="0" err="1"/>
+              <a:t>print</a:t>
+            </a:r>
+            <a:r>
+              <a:rPr lang="fr-FR" b="1" dirty="0"/>
+              <a:t>(</a:t>
+            </a:r>
+            <a:r>
+              <a:rPr lang="fr-FR" dirty="0"/>
+              <a:t> </a:t>
+            </a:r>
+            <a:r>
+              <a:rPr lang="fr-FR" dirty="0" err="1"/>
+              <a:t>nk</a:t>
+            </a:r>
+            <a:r>
+              <a:rPr lang="fr-FR" dirty="0"/>
+              <a:t> </a:t>
+            </a:r>
+            <a:r>
+              <a:rPr lang="fr-FR" b="1" dirty="0"/>
+              <a:t>)</a:t>
+            </a:r>
+          </a:p>
+          <a:p>
+            <a:r>
+              <a:rPr lang="fr-FR" b="1" dirty="0" err="1"/>
+              <a:t>print</a:t>
+            </a:r>
+            <a:r>
+              <a:rPr lang="fr-FR" b="1" dirty="0"/>
+              <a:t>(</a:t>
+            </a:r>
+            <a:r>
+              <a:rPr lang="fr-FR" dirty="0"/>
+              <a:t> </a:t>
+            </a:r>
+            <a:r>
+              <a:rPr lang="fr-FR" b="1" dirty="0"/>
+              <a:t>type(</a:t>
+            </a:r>
+            <a:r>
+              <a:rPr lang="fr-FR" dirty="0"/>
+              <a:t> </a:t>
+            </a:r>
+            <a:r>
+              <a:rPr lang="fr-FR" dirty="0" err="1"/>
+              <a:t>nk</a:t>
+            </a:r>
+            <a:r>
+              <a:rPr lang="fr-FR" dirty="0"/>
+              <a:t> </a:t>
+            </a:r>
+            <a:r>
+              <a:rPr lang="fr-FR" b="1" dirty="0"/>
+              <a:t>) )</a:t>
+            </a:r>
+          </a:p>
+        </p:txBody>
+      </p:sp>
+      <p:sp>
+        <p:nvSpPr>
+          <p:cNvPr id="12" name="ZoneTexte 11">
+            <a:extLst>
+              <a:ext uri="{FF2B5EF4-FFF2-40B4-BE49-F238E27FC236}">
+                <a16:creationId xmlns:a16="http://schemas.microsoft.com/office/drawing/2014/main" id="{970F7D5F-4060-7FF8-10D7-691399A6C862}"/>
+              </a:ext>
+            </a:extLst>
+          </p:cNvPr>
+          <p:cNvSpPr txBox="1"/>
+          <p:nvPr/>
+        </p:nvSpPr>
+        <p:spPr>
+          <a:xfrm>
+            <a:off x="6913050" y="5212207"/>
+            <a:ext cx="4197096" cy="646331"/>
+          </a:xfrm>
+          <a:prstGeom prst="rect">
+            <a:avLst/>
+          </a:prstGeom>
+          <a:solidFill>
+            <a:schemeClr val="accent1">
+              <a:lumMod val="20000"/>
+              <a:lumOff val="80000"/>
+            </a:schemeClr>
+          </a:solidFill>
+        </p:spPr>
+        <p:txBody>
+          <a:bodyPr wrap="square" rtlCol="0">
+            <a:spAutoFit/>
+          </a:bodyPr>
+          <a:lstStyle/>
+          <a:p>
+            <a:r>
+              <a:rPr lang="en-US" dirty="0"/>
+              <a:t>(1j + 3)</a:t>
+            </a:r>
+          </a:p>
+          <a:p>
+            <a:r>
+              <a:rPr lang="en-US" dirty="0"/>
+              <a:t>&lt;</a:t>
+            </a:r>
+            <a:r>
+              <a:rPr lang="en-US" b="1" dirty="0"/>
+              <a:t>class </a:t>
+            </a:r>
+            <a:r>
+              <a:rPr lang="en-US" dirty="0"/>
+              <a:t>‘</a:t>
+            </a:r>
+            <a:r>
+              <a:rPr lang="en-US" b="1" dirty="0"/>
+              <a:t>complex</a:t>
+            </a:r>
+            <a:r>
+              <a:rPr lang="en-US" dirty="0"/>
+              <a:t>’&gt;</a:t>
+            </a:r>
+          </a:p>
+        </p:txBody>
+      </p:sp>
     </p:spTree>
     <p:extLst>
       <p:ext uri="{BB962C8B-B14F-4D97-AF65-F5344CB8AC3E}">
-        <p14:creationId xmlns:p14="http://schemas.microsoft.com/office/powerpoint/2010/main" val="940861123"/>
+        <p14:creationId xmlns:p14="http://schemas.microsoft.com/office/powerpoint/2010/main" val="2524465165"/>
       </p:ext>
     </p:extLst>
   </p:cSld>
@@ -7642,7 +9472,7 @@
           <a:p>
             <a:r>
               <a:rPr lang="fr-FR" dirty="0"/>
-              <a:t>Résoudre des problèmes linéaires</a:t>
+              <a:t>Quelques rappels sous Python</a:t>
             </a:r>
           </a:p>
         </p:txBody>
@@ -7663,57 +9493,20 @@
             <p:ph sz="half" idx="1"/>
           </p:nvPr>
         </p:nvSpPr>
-        <p:spPr/>
+        <p:spPr>
+          <a:xfrm>
+            <a:off x="1115568" y="2478024"/>
+            <a:ext cx="10241082" cy="3694176"/>
+          </a:xfrm>
+        </p:spPr>
         <p:txBody>
           <a:bodyPr/>
           <a:lstStyle/>
           <a:p>
             <a:r>
-              <a:rPr lang="fr-FR" dirty="0" err="1"/>
-              <a:t>Linalg</a:t>
-            </a:r>
-            <a:r>
               <a:rPr lang="fr-FR" dirty="0"/>
-              <a:t> </a:t>
-            </a:r>
-            <a:r>
-              <a:rPr lang="fr-FR" dirty="0" err="1"/>
-              <a:t>from</a:t>
-            </a:r>
-            <a:r>
-              <a:rPr lang="fr-FR" dirty="0"/>
-              <a:t> </a:t>
-            </a:r>
-            <a:r>
-              <a:rPr lang="fr-FR" dirty="0" err="1"/>
-              <a:t>numpy</a:t>
-            </a:r>
-            <a:endParaRPr lang="fr-FR" dirty="0"/>
-          </a:p>
-        </p:txBody>
-      </p:sp>
-      <p:sp>
-        <p:nvSpPr>
-          <p:cNvPr id="4" name="Espace réservé du contenu 3">
-            <a:extLst>
-              <a:ext uri="{FF2B5EF4-FFF2-40B4-BE49-F238E27FC236}">
-                <a16:creationId xmlns:a16="http://schemas.microsoft.com/office/drawing/2014/main" id="{933F96BD-2653-AD25-8139-9FF3B2C19755}"/>
-              </a:ext>
-            </a:extLst>
-          </p:cNvPr>
-          <p:cNvSpPr>
-            <a:spLocks noGrp="1"/>
-          </p:cNvSpPr>
-          <p:nvPr>
-            <p:ph sz="half" idx="2"/>
-          </p:nvPr>
-        </p:nvSpPr>
-        <p:spPr/>
-        <p:txBody>
-          <a:bodyPr/>
-          <a:lstStyle/>
-          <a:p>
-            <a:endParaRPr lang="fr-FR" dirty="0"/>
+              <a:t>Vecteurs (suite)</a:t>
+            </a:r>
           </a:p>
         </p:txBody>
       </p:sp>
@@ -7753,10 +9546,839 @@
           </a:prstGeom>
         </p:spPr>
       </p:pic>
+      <p:pic>
+        <p:nvPicPr>
+          <p:cNvPr id="7" name="Image 6">
+            <a:extLst>
+              <a:ext uri="{FF2B5EF4-FFF2-40B4-BE49-F238E27FC236}">
+                <a16:creationId xmlns:a16="http://schemas.microsoft.com/office/drawing/2014/main" id="{5BB01D49-602A-9314-FD1F-4EC628128217}"/>
+              </a:ext>
+            </a:extLst>
+          </p:cNvPr>
+          <p:cNvPicPr>
+            <a:picLocks noChangeAspect="1"/>
+          </p:cNvPicPr>
+          <p:nvPr/>
+        </p:nvPicPr>
+        <p:blipFill>
+          <a:blip r:embed="rId3"/>
+          <a:stretch>
+            <a:fillRect/>
+          </a:stretch>
+        </p:blipFill>
+        <p:spPr>
+          <a:xfrm>
+            <a:off x="10077926" y="593679"/>
+            <a:ext cx="1081825" cy="1089498"/>
+          </a:xfrm>
+          <a:prstGeom prst="rect">
+            <a:avLst/>
+          </a:prstGeom>
+        </p:spPr>
+      </p:pic>
+      <p:pic>
+        <p:nvPicPr>
+          <p:cNvPr id="10" name="Picture 6">
+            <a:extLst>
+              <a:ext uri="{FF2B5EF4-FFF2-40B4-BE49-F238E27FC236}">
+                <a16:creationId xmlns:a16="http://schemas.microsoft.com/office/drawing/2014/main" id="{B08DE29C-1F7C-390F-64F6-5A4A64FD8E5F}"/>
+              </a:ext>
+            </a:extLst>
+          </p:cNvPr>
+          <p:cNvPicPr>
+            <a:picLocks noChangeAspect="1" noChangeArrowheads="1"/>
+          </p:cNvPicPr>
+          <p:nvPr/>
+        </p:nvPicPr>
+        <p:blipFill>
+          <a:blip r:embed="rId4" cstate="hqprint">
+            <a:extLst>
+              <a:ext uri="{28A0092B-C50C-407E-A947-70E740481C1C}">
+                <a14:useLocalDpi xmlns:a14="http://schemas.microsoft.com/office/drawing/2010/main" val="0"/>
+              </a:ext>
+            </a:extLst>
+          </a:blip>
+          <a:srcRect/>
+          <a:stretch>
+            <a:fillRect/>
+          </a:stretch>
+        </p:blipFill>
+        <p:spPr bwMode="auto">
+          <a:xfrm>
+            <a:off x="10426228" y="2206699"/>
+            <a:ext cx="905256" cy="407269"/>
+          </a:xfrm>
+          <a:prstGeom prst="rect">
+            <a:avLst/>
+          </a:prstGeom>
+          <a:noFill/>
+          <a:extLst>
+            <a:ext uri="{909E8E84-426E-40DD-AFC4-6F175D3DCCD1}">
+              <a14:hiddenFill xmlns:a14="http://schemas.microsoft.com/office/drawing/2010/main">
+                <a:solidFill>
+                  <a:srgbClr val="FFFFFF"/>
+                </a:solidFill>
+              </a14:hiddenFill>
+            </a:ext>
+          </a:extLst>
+        </p:spPr>
+      </p:pic>
+      <p:sp>
+        <p:nvSpPr>
+          <p:cNvPr id="6" name="ZoneTexte 5">
+            <a:extLst>
+              <a:ext uri="{FF2B5EF4-FFF2-40B4-BE49-F238E27FC236}">
+                <a16:creationId xmlns:a16="http://schemas.microsoft.com/office/drawing/2014/main" id="{730F7556-7B31-F5B0-2399-51CE1961A556}"/>
+              </a:ext>
+            </a:extLst>
+          </p:cNvPr>
+          <p:cNvSpPr txBox="1"/>
+          <p:nvPr/>
+        </p:nvSpPr>
+        <p:spPr>
+          <a:xfrm>
+            <a:off x="6344973" y="2689356"/>
+            <a:ext cx="4765173" cy="646331"/>
+          </a:xfrm>
+          <a:prstGeom prst="rect">
+            <a:avLst/>
+          </a:prstGeom>
+          <a:solidFill>
+            <a:schemeClr val="accent1">
+              <a:lumMod val="40000"/>
+              <a:lumOff val="60000"/>
+            </a:schemeClr>
+          </a:solidFill>
+        </p:spPr>
+        <p:txBody>
+          <a:bodyPr wrap="square" rtlCol="0">
+            <a:spAutoFit/>
+          </a:bodyPr>
+          <a:lstStyle/>
+          <a:p>
+            <a:r>
+              <a:rPr lang="fr-FR" b="1" dirty="0"/>
+              <a:t>import</a:t>
+            </a:r>
+            <a:r>
+              <a:rPr lang="fr-FR" dirty="0"/>
+              <a:t> </a:t>
+            </a:r>
+            <a:r>
+              <a:rPr lang="fr-FR" dirty="0" err="1"/>
+              <a:t>numpy</a:t>
+            </a:r>
+            <a:r>
+              <a:rPr lang="fr-FR" dirty="0"/>
+              <a:t> </a:t>
+            </a:r>
+            <a:r>
+              <a:rPr lang="fr-FR" b="1" dirty="0"/>
+              <a:t>as</a:t>
+            </a:r>
+            <a:r>
+              <a:rPr lang="fr-FR" dirty="0"/>
+              <a:t> </a:t>
+            </a:r>
+            <a:r>
+              <a:rPr lang="fr-FR" dirty="0" err="1"/>
+              <a:t>np</a:t>
+            </a:r>
+            <a:endParaRPr lang="fr-FR" dirty="0"/>
+          </a:p>
+          <a:p>
+            <a:r>
+              <a:rPr lang="fr-FR" dirty="0"/>
+              <a:t>v = </a:t>
+            </a:r>
+            <a:r>
+              <a:rPr lang="fr-FR" b="1" dirty="0" err="1"/>
+              <a:t>np</a:t>
+            </a:r>
+            <a:r>
+              <a:rPr lang="fr-FR" dirty="0" err="1"/>
+              <a:t>.</a:t>
+            </a:r>
+            <a:r>
+              <a:rPr lang="fr-FR" b="1" dirty="0" err="1"/>
+              <a:t>logspace</a:t>
+            </a:r>
+            <a:r>
+              <a:rPr lang="fr-FR" b="1" dirty="0"/>
+              <a:t>( </a:t>
+            </a:r>
+            <a:r>
+              <a:rPr lang="fr-FR" dirty="0"/>
+              <a:t>1, 10, 1001 </a:t>
+            </a:r>
+            <a:r>
+              <a:rPr lang="fr-FR" b="1" dirty="0"/>
+              <a:t>)</a:t>
+            </a:r>
+          </a:p>
+        </p:txBody>
+      </p:sp>
+      <p:graphicFrame>
+        <p:nvGraphicFramePr>
+          <p:cNvPr id="13" name="Objet 12">
+            <a:extLst>
+              <a:ext uri="{FF2B5EF4-FFF2-40B4-BE49-F238E27FC236}">
+                <a16:creationId xmlns:a16="http://schemas.microsoft.com/office/drawing/2014/main" id="{300564C3-9824-BD08-9D46-33E8C789ECB0}"/>
+              </a:ext>
+            </a:extLst>
+          </p:cNvPr>
+          <p:cNvGraphicFramePr>
+            <a:graphicFrameLocks noChangeAspect="1"/>
+          </p:cNvGraphicFramePr>
+          <p:nvPr>
+            <p:extLst>
+              <p:ext uri="{D42A27DB-BD31-4B8C-83A1-F6EECF244321}">
+                <p14:modId xmlns:p14="http://schemas.microsoft.com/office/powerpoint/2010/main" val="1373843713"/>
+              </p:ext>
+            </p:extLst>
+          </p:nvPr>
+        </p:nvGraphicFramePr>
+        <p:xfrm>
+          <a:off x="1435879" y="3012521"/>
+          <a:ext cx="4588784" cy="3140335"/>
+        </p:xfrm>
+        <a:graphic>
+          <a:graphicData uri="http://schemas.openxmlformats.org/presentationml/2006/ole">
+            <mc:AlternateContent xmlns:mc="http://schemas.openxmlformats.org/markup-compatibility/2006">
+              <mc:Choice xmlns:v="urn:schemas-microsoft-com:vml" Requires="v">
+                <p:oleObj name="Image bitmap" r:id="rId5" imgW="3591000" imgH="2457360" progId="Paint.Picture">
+                  <p:embed/>
+                </p:oleObj>
+              </mc:Choice>
+              <mc:Fallback>
+                <p:oleObj name="Image bitmap" r:id="rId5" imgW="3591000" imgH="2457360" progId="Paint.Picture">
+                  <p:embed/>
+                  <p:pic>
+                    <p:nvPicPr>
+                      <p:cNvPr id="2" name="Objet 1">
+                        <a:extLst>
+                          <a:ext uri="{FF2B5EF4-FFF2-40B4-BE49-F238E27FC236}">
+                            <a16:creationId xmlns:a16="http://schemas.microsoft.com/office/drawing/2014/main" id="{CC539050-DC71-40B7-9995-F867D8F46FD6}"/>
+                          </a:ext>
+                        </a:extLst>
+                      </p:cNvPr>
+                      <p:cNvPicPr/>
+                      <p:nvPr/>
+                    </p:nvPicPr>
+                    <p:blipFill>
+                      <a:blip r:embed="rId6"/>
+                      <a:stretch>
+                        <a:fillRect/>
+                      </a:stretch>
+                    </p:blipFill>
+                    <p:spPr>
+                      <a:xfrm>
+                        <a:off x="1435879" y="3012521"/>
+                        <a:ext cx="4588784" cy="3140335"/>
+                      </a:xfrm>
+                      <a:prstGeom prst="rect">
+                        <a:avLst/>
+                      </a:prstGeom>
+                    </p:spPr>
+                  </p:pic>
+                </p:oleObj>
+              </mc:Fallback>
+            </mc:AlternateContent>
+          </a:graphicData>
+        </a:graphic>
+      </p:graphicFrame>
+      <p:sp>
+        <p:nvSpPr>
+          <p:cNvPr id="8" name="ZoneTexte 7">
+            <a:extLst>
+              <a:ext uri="{FF2B5EF4-FFF2-40B4-BE49-F238E27FC236}">
+                <a16:creationId xmlns:a16="http://schemas.microsoft.com/office/drawing/2014/main" id="{9A4874F0-4465-F97E-0D7F-B7EBD6F49ED4}"/>
+              </a:ext>
+            </a:extLst>
+          </p:cNvPr>
+          <p:cNvSpPr txBox="1"/>
+          <p:nvPr/>
+        </p:nvSpPr>
+        <p:spPr>
+          <a:xfrm>
+            <a:off x="1892539" y="3335687"/>
+            <a:ext cx="3526614" cy="1200329"/>
+          </a:xfrm>
+          <a:prstGeom prst="rect">
+            <a:avLst/>
+          </a:prstGeom>
+          <a:solidFill>
+            <a:schemeClr val="accent1">
+              <a:lumMod val="40000"/>
+              <a:lumOff val="60000"/>
+            </a:schemeClr>
+          </a:solidFill>
+        </p:spPr>
+        <p:txBody>
+          <a:bodyPr wrap="square" rtlCol="0">
+            <a:spAutoFit/>
+          </a:bodyPr>
+          <a:lstStyle/>
+          <a:p>
+            <a:r>
+              <a:rPr lang="fr-FR" b="1" dirty="0"/>
+              <a:t>import</a:t>
+            </a:r>
+            <a:r>
+              <a:rPr lang="fr-FR" dirty="0"/>
+              <a:t> </a:t>
+            </a:r>
+            <a:r>
+              <a:rPr lang="fr-FR" dirty="0" err="1"/>
+              <a:t>matplotlib.pyplot</a:t>
+            </a:r>
+            <a:r>
+              <a:rPr lang="fr-FR" dirty="0"/>
+              <a:t> </a:t>
+            </a:r>
+            <a:r>
+              <a:rPr lang="fr-FR" b="1" dirty="0"/>
+              <a:t>as</a:t>
+            </a:r>
+            <a:r>
+              <a:rPr lang="fr-FR" dirty="0"/>
+              <a:t> </a:t>
+            </a:r>
+            <a:r>
+              <a:rPr lang="fr-FR" dirty="0" err="1"/>
+              <a:t>plt</a:t>
+            </a:r>
+            <a:endParaRPr lang="fr-FR" dirty="0"/>
+          </a:p>
+          <a:p>
+            <a:r>
+              <a:rPr lang="fr-FR" b="1" dirty="0" err="1"/>
+              <a:t>plt</a:t>
+            </a:r>
+            <a:r>
+              <a:rPr lang="fr-FR" dirty="0" err="1"/>
+              <a:t>.</a:t>
+            </a:r>
+            <a:r>
+              <a:rPr lang="fr-FR" b="1" dirty="0" err="1"/>
+              <a:t>figure</a:t>
+            </a:r>
+            <a:r>
+              <a:rPr lang="fr-FR" b="1" dirty="0"/>
+              <a:t>()</a:t>
+            </a:r>
+          </a:p>
+          <a:p>
+            <a:r>
+              <a:rPr lang="fr-FR" b="1" dirty="0" err="1"/>
+              <a:t>plt</a:t>
+            </a:r>
+            <a:r>
+              <a:rPr lang="fr-FR" dirty="0" err="1"/>
+              <a:t>.</a:t>
+            </a:r>
+            <a:r>
+              <a:rPr lang="fr-FR" b="1" dirty="0" err="1"/>
+              <a:t>plot</a:t>
+            </a:r>
+            <a:r>
+              <a:rPr lang="fr-FR" b="1" dirty="0"/>
+              <a:t>( </a:t>
+            </a:r>
+            <a:r>
+              <a:rPr lang="fr-FR" dirty="0"/>
+              <a:t>v</a:t>
+            </a:r>
+            <a:r>
+              <a:rPr lang="fr-FR" b="1" dirty="0"/>
+              <a:t> )</a:t>
+            </a:r>
+          </a:p>
+          <a:p>
+            <a:r>
+              <a:rPr lang="fr-FR" b="1" dirty="0" err="1"/>
+              <a:t>plt</a:t>
+            </a:r>
+            <a:r>
+              <a:rPr lang="fr-FR" dirty="0" err="1"/>
+              <a:t>.</a:t>
+            </a:r>
+            <a:r>
+              <a:rPr lang="fr-FR" b="1" dirty="0" err="1"/>
+              <a:t>show</a:t>
+            </a:r>
+            <a:r>
+              <a:rPr lang="fr-FR" b="1" dirty="0"/>
+              <a:t>()</a:t>
+            </a:r>
+          </a:p>
+        </p:txBody>
+      </p:sp>
+      <p:pic>
+        <p:nvPicPr>
+          <p:cNvPr id="14" name="Picture 8">
+            <a:extLst>
+              <a:ext uri="{FF2B5EF4-FFF2-40B4-BE49-F238E27FC236}">
+                <a16:creationId xmlns:a16="http://schemas.microsoft.com/office/drawing/2014/main" id="{FF5B628A-FB8E-8706-2245-A4BD3BE5EC66}"/>
+              </a:ext>
+            </a:extLst>
+          </p:cNvPr>
+          <p:cNvPicPr>
+            <a:picLocks noChangeAspect="1" noChangeArrowheads="1"/>
+          </p:cNvPicPr>
+          <p:nvPr/>
+        </p:nvPicPr>
+        <p:blipFill>
+          <a:blip r:embed="rId7">
+            <a:extLst>
+              <a:ext uri="{28A0092B-C50C-407E-A947-70E740481C1C}">
+                <a14:useLocalDpi xmlns:a14="http://schemas.microsoft.com/office/drawing/2010/main" val="0"/>
+              </a:ext>
+            </a:extLst>
+          </a:blip>
+          <a:srcRect/>
+          <a:stretch>
+            <a:fillRect/>
+          </a:stretch>
+        </p:blipFill>
+        <p:spPr bwMode="auto">
+          <a:xfrm>
+            <a:off x="2028213" y="4749901"/>
+            <a:ext cx="1504236" cy="314176"/>
+          </a:xfrm>
+          <a:prstGeom prst="rect">
+            <a:avLst/>
+          </a:prstGeom>
+          <a:noFill/>
+          <a:extLst>
+            <a:ext uri="{909E8E84-426E-40DD-AFC4-6F175D3DCCD1}">
+              <a14:hiddenFill xmlns:a14="http://schemas.microsoft.com/office/drawing/2010/main">
+                <a:solidFill>
+                  <a:srgbClr val="FFFFFF"/>
+                </a:solidFill>
+              </a14:hiddenFill>
+            </a:ext>
+          </a:extLst>
+        </p:spPr>
+      </p:pic>
+      <p:sp>
+        <p:nvSpPr>
+          <p:cNvPr id="15" name="ZoneTexte 14">
+            <a:extLst>
+              <a:ext uri="{FF2B5EF4-FFF2-40B4-BE49-F238E27FC236}">
+                <a16:creationId xmlns:a16="http://schemas.microsoft.com/office/drawing/2014/main" id="{E0622A34-4DD9-B950-BE03-F584A3310D66}"/>
+              </a:ext>
+            </a:extLst>
+          </p:cNvPr>
+          <p:cNvSpPr txBox="1"/>
+          <p:nvPr/>
+        </p:nvSpPr>
+        <p:spPr>
+          <a:xfrm>
+            <a:off x="6344973" y="3515268"/>
+            <a:ext cx="4765173" cy="1200329"/>
+          </a:xfrm>
+          <a:prstGeom prst="rect">
+            <a:avLst/>
+          </a:prstGeom>
+          <a:solidFill>
+            <a:schemeClr val="accent1">
+              <a:lumMod val="40000"/>
+              <a:lumOff val="60000"/>
+            </a:schemeClr>
+          </a:solidFill>
+        </p:spPr>
+        <p:txBody>
+          <a:bodyPr wrap="square" rtlCol="0">
+            <a:spAutoFit/>
+          </a:bodyPr>
+          <a:lstStyle/>
+          <a:p>
+            <a:r>
+              <a:rPr lang="fr-FR" dirty="0"/>
+              <a:t>v2 = v</a:t>
+            </a:r>
+            <a:r>
+              <a:rPr lang="fr-FR" b="1" dirty="0"/>
+              <a:t>[ </a:t>
+            </a:r>
+            <a:r>
+              <a:rPr lang="fr-FR" dirty="0"/>
+              <a:t>10</a:t>
+            </a:r>
+            <a:r>
+              <a:rPr lang="fr-FR" b="1" dirty="0"/>
+              <a:t> : </a:t>
+            </a:r>
+            <a:r>
+              <a:rPr lang="fr-FR" dirty="0"/>
+              <a:t>100</a:t>
+            </a:r>
+            <a:r>
+              <a:rPr lang="fr-FR" b="1" dirty="0"/>
+              <a:t> ]</a:t>
+            </a:r>
+          </a:p>
+          <a:p>
+            <a:r>
+              <a:rPr lang="fr-FR" b="1" dirty="0" err="1"/>
+              <a:t>plt</a:t>
+            </a:r>
+            <a:r>
+              <a:rPr lang="fr-FR" dirty="0" err="1"/>
+              <a:t>.</a:t>
+            </a:r>
+            <a:r>
+              <a:rPr lang="fr-FR" b="1" dirty="0" err="1"/>
+              <a:t>figure</a:t>
+            </a:r>
+            <a:r>
+              <a:rPr lang="fr-FR" b="1" dirty="0"/>
+              <a:t>() </a:t>
+            </a:r>
+          </a:p>
+          <a:p>
+            <a:r>
+              <a:rPr lang="fr-FR" b="1" dirty="0" err="1"/>
+              <a:t>plt</a:t>
+            </a:r>
+            <a:r>
+              <a:rPr lang="fr-FR" dirty="0" err="1"/>
+              <a:t>.</a:t>
+            </a:r>
+            <a:r>
+              <a:rPr lang="fr-FR" b="1" dirty="0" err="1"/>
+              <a:t>plot</a:t>
+            </a:r>
+            <a:r>
+              <a:rPr lang="fr-FR" b="1" dirty="0"/>
+              <a:t>( </a:t>
+            </a:r>
+            <a:r>
+              <a:rPr lang="fr-FR" dirty="0"/>
+              <a:t>v2 </a:t>
+            </a:r>
+            <a:r>
+              <a:rPr lang="fr-FR" b="1" dirty="0"/>
+              <a:t>)</a:t>
+            </a:r>
+          </a:p>
+          <a:p>
+            <a:r>
+              <a:rPr lang="fr-FR" b="1" dirty="0" err="1"/>
+              <a:t>plt</a:t>
+            </a:r>
+            <a:r>
+              <a:rPr lang="fr-FR" dirty="0" err="1"/>
+              <a:t>.</a:t>
+            </a:r>
+            <a:r>
+              <a:rPr lang="fr-FR" b="1" dirty="0" err="1"/>
+              <a:t>show</a:t>
+            </a:r>
+            <a:r>
+              <a:rPr lang="fr-FR" b="1" dirty="0"/>
+              <a:t>()</a:t>
+            </a:r>
+          </a:p>
+        </p:txBody>
+      </p:sp>
+      <p:graphicFrame>
+        <p:nvGraphicFramePr>
+          <p:cNvPr id="16" name="Objet 15">
+            <a:extLst>
+              <a:ext uri="{FF2B5EF4-FFF2-40B4-BE49-F238E27FC236}">
+                <a16:creationId xmlns:a16="http://schemas.microsoft.com/office/drawing/2014/main" id="{DB5813F3-7880-5D9F-EDFE-FA9D6D887AB7}"/>
+              </a:ext>
+            </a:extLst>
+          </p:cNvPr>
+          <p:cNvGraphicFramePr>
+            <a:graphicFrameLocks noChangeAspect="1"/>
+          </p:cNvGraphicFramePr>
+          <p:nvPr>
+            <p:extLst>
+              <p:ext uri="{D42A27DB-BD31-4B8C-83A1-F6EECF244321}">
+                <p14:modId xmlns:p14="http://schemas.microsoft.com/office/powerpoint/2010/main" val="965139167"/>
+              </p:ext>
+            </p:extLst>
+          </p:nvPr>
+        </p:nvGraphicFramePr>
+        <p:xfrm>
+          <a:off x="8291988" y="4101372"/>
+          <a:ext cx="3571875" cy="2466975"/>
+        </p:xfrm>
+        <a:graphic>
+          <a:graphicData uri="http://schemas.openxmlformats.org/presentationml/2006/ole">
+            <mc:AlternateContent xmlns:mc="http://schemas.openxmlformats.org/markup-compatibility/2006">
+              <mc:Choice xmlns:v="urn:schemas-microsoft-com:vml" Requires="v">
+                <p:oleObj name="Image bitmap" r:id="rId8" imgW="3571920" imgH="2467080" progId="Paint.Picture">
+                  <p:embed/>
+                </p:oleObj>
+              </mc:Choice>
+              <mc:Fallback>
+                <p:oleObj name="Image bitmap" r:id="rId8" imgW="3571920" imgH="2467080" progId="Paint.Picture">
+                  <p:embed/>
+                  <p:pic>
+                    <p:nvPicPr>
+                      <p:cNvPr id="8" name="Objet 7">
+                        <a:extLst>
+                          <a:ext uri="{FF2B5EF4-FFF2-40B4-BE49-F238E27FC236}">
+                            <a16:creationId xmlns:a16="http://schemas.microsoft.com/office/drawing/2014/main" id="{66B838F1-304B-4607-A8D0-B952634EF92D}"/>
+                          </a:ext>
+                        </a:extLst>
+                      </p:cNvPr>
+                      <p:cNvPicPr/>
+                      <p:nvPr/>
+                    </p:nvPicPr>
+                    <p:blipFill>
+                      <a:blip r:embed="rId9"/>
+                      <a:stretch>
+                        <a:fillRect/>
+                      </a:stretch>
+                    </p:blipFill>
+                    <p:spPr>
+                      <a:xfrm>
+                        <a:off x="8291988" y="4101372"/>
+                        <a:ext cx="3571875" cy="2466975"/>
+                      </a:xfrm>
+                      <a:prstGeom prst="rect">
+                        <a:avLst/>
+                      </a:prstGeom>
+                    </p:spPr>
+                  </p:pic>
+                </p:oleObj>
+              </mc:Fallback>
+            </mc:AlternateContent>
+          </a:graphicData>
+        </a:graphic>
+      </p:graphicFrame>
     </p:spTree>
     <p:extLst>
       <p:ext uri="{BB962C8B-B14F-4D97-AF65-F5344CB8AC3E}">
-        <p14:creationId xmlns:p14="http://schemas.microsoft.com/office/powerpoint/2010/main" val="3320162350"/>
+        <p14:creationId xmlns:p14="http://schemas.microsoft.com/office/powerpoint/2010/main" val="754678351"/>
+      </p:ext>
+    </p:extLst>
+  </p:cSld>
+  <p:clrMapOvr>
+    <a:masterClrMapping/>
+  </p:clrMapOvr>
+</p:sld>
+</file>
+
+<file path=ppt/slides/slide9.xml><?xml version="1.0" encoding="utf-8"?>
+<p:sld xmlns:a="http://schemas.openxmlformats.org/drawingml/2006/main" xmlns:r="http://schemas.openxmlformats.org/officeDocument/2006/relationships" xmlns:p="http://schemas.openxmlformats.org/presentationml/2006/main">
+  <p:cSld>
+    <p:spTree>
+      <p:nvGrpSpPr>
+        <p:cNvPr id="1" name=""/>
+        <p:cNvGrpSpPr/>
+        <p:nvPr/>
+      </p:nvGrpSpPr>
+      <p:grpSpPr>
+        <a:xfrm>
+          <a:off x="0" y="0"/>
+          <a:ext cx="0" cy="0"/>
+          <a:chOff x="0" y="0"/>
+          <a:chExt cx="0" cy="0"/>
+        </a:xfrm>
+      </p:grpSpPr>
+      <p:sp>
+        <p:nvSpPr>
+          <p:cNvPr id="2" name="Titre 1">
+            <a:extLst>
+              <a:ext uri="{FF2B5EF4-FFF2-40B4-BE49-F238E27FC236}">
+                <a16:creationId xmlns:a16="http://schemas.microsoft.com/office/drawing/2014/main" id="{90162AE8-C1B0-5C56-8313-DEE494F38273}"/>
+              </a:ext>
+            </a:extLst>
+          </p:cNvPr>
+          <p:cNvSpPr>
+            <a:spLocks noGrp="1"/>
+          </p:cNvSpPr>
+          <p:nvPr>
+            <p:ph type="title"/>
+          </p:nvPr>
+        </p:nvSpPr>
+        <p:spPr/>
+        <p:txBody>
+          <a:bodyPr/>
+          <a:lstStyle/>
+          <a:p>
+            <a:r>
+              <a:rPr lang="fr-FR" dirty="0"/>
+              <a:t>Quelques rappels sous Python</a:t>
+            </a:r>
+          </a:p>
+        </p:txBody>
+      </p:sp>
+      <p:sp>
+        <p:nvSpPr>
+          <p:cNvPr id="3" name="Espace réservé du contenu 2">
+            <a:extLst>
+              <a:ext uri="{FF2B5EF4-FFF2-40B4-BE49-F238E27FC236}">
+                <a16:creationId xmlns:a16="http://schemas.microsoft.com/office/drawing/2014/main" id="{E0BBB9DE-019C-C741-F224-494739D4B752}"/>
+              </a:ext>
+            </a:extLst>
+          </p:cNvPr>
+          <p:cNvSpPr>
+            <a:spLocks noGrp="1"/>
+          </p:cNvSpPr>
+          <p:nvPr>
+            <p:ph sz="half" idx="1"/>
+          </p:nvPr>
+        </p:nvSpPr>
+        <p:spPr/>
+        <p:txBody>
+          <a:bodyPr/>
+          <a:lstStyle/>
+          <a:p>
+            <a:r>
+              <a:rPr lang="fr-FR" dirty="0"/>
+              <a:t>Try / </a:t>
+            </a:r>
+            <a:r>
+              <a:rPr lang="fr-FR" dirty="0" err="1"/>
+              <a:t>Except</a:t>
+            </a:r>
+            <a:r>
+              <a:rPr lang="fr-FR" dirty="0"/>
+              <a:t> (</a:t>
+            </a:r>
+            <a:r>
+              <a:rPr lang="fr-FR" dirty="0" err="1"/>
+              <a:t>ValueError</a:t>
+            </a:r>
+            <a:r>
+              <a:rPr lang="fr-FR" dirty="0"/>
+              <a:t>…)</a:t>
+            </a:r>
+          </a:p>
+        </p:txBody>
+      </p:sp>
+      <p:pic>
+        <p:nvPicPr>
+          <p:cNvPr id="5" name="Image 4" descr="Une image contenant texte&#10;&#10;Description générée automatiquement">
+            <a:extLst>
+              <a:ext uri="{FF2B5EF4-FFF2-40B4-BE49-F238E27FC236}">
+                <a16:creationId xmlns:a16="http://schemas.microsoft.com/office/drawing/2014/main" id="{66D2630B-81F4-A4EB-21BA-8B90CF30BD92}"/>
+              </a:ext>
+            </a:extLst>
+          </p:cNvPr>
+          <p:cNvPicPr>
+            <a:picLocks noChangeAspect="1"/>
+          </p:cNvPicPr>
+          <p:nvPr/>
+        </p:nvPicPr>
+        <p:blipFill>
+          <a:blip r:embed="rId2">
+            <a:extLst>
+              <a:ext uri="{28A0092B-C50C-407E-A947-70E740481C1C}">
+                <a14:useLocalDpi xmlns:a14="http://schemas.microsoft.com/office/drawing/2010/main" val="0"/>
+              </a:ext>
+            </a:extLst>
+          </a:blip>
+          <a:stretch>
+            <a:fillRect/>
+          </a:stretch>
+        </p:blipFill>
+        <p:spPr>
+          <a:xfrm>
+            <a:off x="202922" y="5934456"/>
+            <a:ext cx="1825291" cy="749808"/>
+          </a:xfrm>
+          <a:prstGeom prst="rect">
+            <a:avLst/>
+          </a:prstGeom>
+        </p:spPr>
+      </p:pic>
+      <p:pic>
+        <p:nvPicPr>
+          <p:cNvPr id="7" name="Image 6">
+            <a:extLst>
+              <a:ext uri="{FF2B5EF4-FFF2-40B4-BE49-F238E27FC236}">
+                <a16:creationId xmlns:a16="http://schemas.microsoft.com/office/drawing/2014/main" id="{5BB01D49-602A-9314-FD1F-4EC628128217}"/>
+              </a:ext>
+            </a:extLst>
+          </p:cNvPr>
+          <p:cNvPicPr>
+            <a:picLocks noChangeAspect="1"/>
+          </p:cNvPicPr>
+          <p:nvPr/>
+        </p:nvPicPr>
+        <p:blipFill>
+          <a:blip r:embed="rId3"/>
+          <a:stretch>
+            <a:fillRect/>
+          </a:stretch>
+        </p:blipFill>
+        <p:spPr>
+          <a:xfrm>
+            <a:off x="10077926" y="593679"/>
+            <a:ext cx="1081825" cy="1089498"/>
+          </a:xfrm>
+          <a:prstGeom prst="rect">
+            <a:avLst/>
+          </a:prstGeom>
+        </p:spPr>
+      </p:pic>
+      <p:sp>
+        <p:nvSpPr>
+          <p:cNvPr id="14" name="Espace réservé du contenu 13">
+            <a:extLst>
+              <a:ext uri="{FF2B5EF4-FFF2-40B4-BE49-F238E27FC236}">
+                <a16:creationId xmlns:a16="http://schemas.microsoft.com/office/drawing/2014/main" id="{CA123098-7DF5-3C3F-1F6B-F3FE7B39E1E2}"/>
+              </a:ext>
+            </a:extLst>
+          </p:cNvPr>
+          <p:cNvSpPr>
+            <a:spLocks noGrp="1"/>
+          </p:cNvSpPr>
+          <p:nvPr>
+            <p:ph sz="half" idx="2"/>
+          </p:nvPr>
+        </p:nvSpPr>
+        <p:spPr/>
+        <p:txBody>
+          <a:bodyPr/>
+          <a:lstStyle/>
+          <a:p>
+            <a:endParaRPr lang="fr-FR" dirty="0"/>
+          </a:p>
+        </p:txBody>
+      </p:sp>
+      <p:pic>
+        <p:nvPicPr>
+          <p:cNvPr id="16" name="Image 15">
+            <a:extLst>
+              <a:ext uri="{FF2B5EF4-FFF2-40B4-BE49-F238E27FC236}">
+                <a16:creationId xmlns:a16="http://schemas.microsoft.com/office/drawing/2014/main" id="{40681AA8-5305-6308-CECD-FD4BEB3BB437}"/>
+              </a:ext>
+            </a:extLst>
+          </p:cNvPr>
+          <p:cNvPicPr>
+            <a:picLocks noChangeAspect="1"/>
+          </p:cNvPicPr>
+          <p:nvPr/>
+        </p:nvPicPr>
+        <p:blipFill>
+          <a:blip r:embed="rId4"/>
+          <a:stretch>
+            <a:fillRect/>
+          </a:stretch>
+        </p:blipFill>
+        <p:spPr>
+          <a:xfrm>
+            <a:off x="2320821" y="3333136"/>
+            <a:ext cx="4513912" cy="3351128"/>
+          </a:xfrm>
+          <a:prstGeom prst="rect">
+            <a:avLst/>
+          </a:prstGeom>
+        </p:spPr>
+      </p:pic>
+    </p:spTree>
+    <p:extLst>
+      <p:ext uri="{BB962C8B-B14F-4D97-AF65-F5344CB8AC3E}">
+        <p14:creationId xmlns:p14="http://schemas.microsoft.com/office/powerpoint/2010/main" val="1467992273"/>
       </p:ext>
     </p:extLst>
   </p:cSld>
